--- a/Report.pptx
+++ b/Report.pptx
@@ -108,7 +108,7 @@
   </p:defaultTextStyle>
   <p:extLst>
     <p:ext uri="{EFAFB233-063F-42B5-8137-9DF3F51BA10A}">
-      <p15:sldGuideLst xmlns="" xmlns:p15="http://schemas.microsoft.com/office/powerpoint/2012/main"/>
+      <p15:sldGuideLst xmlns:p15="http://schemas.microsoft.com/office/powerpoint/2012/main" xmlns=""/>
     </p:ext>
   </p:extLst>
 </p:presentation>
@@ -136,7 +136,7 @@
           <p:cNvPr id="2" name="제목 1">
             <a:extLst>
               <a:ext uri="{FF2B5EF4-FFF2-40B4-BE49-F238E27FC236}">
-                <a16:creationId xmlns="" xmlns:a16="http://schemas.microsoft.com/office/drawing/2014/main" id="{DFF2C538-D806-482C-A2DB-B6D71CAEFF10}"/>
+                <a16:creationId xmlns:a16="http://schemas.microsoft.com/office/drawing/2014/main" xmlns="" id="{DFF2C538-D806-482C-A2DB-B6D71CAEFF10}"/>
               </a:ext>
             </a:extLst>
           </p:cNvPr>
@@ -173,7 +173,7 @@
           <p:cNvPr id="3" name="부제목 2">
             <a:extLst>
               <a:ext uri="{FF2B5EF4-FFF2-40B4-BE49-F238E27FC236}">
-                <a16:creationId xmlns="" xmlns:a16="http://schemas.microsoft.com/office/drawing/2014/main" id="{EDDD2879-CD7B-4233-9A6A-172FFF343EAC}"/>
+                <a16:creationId xmlns:a16="http://schemas.microsoft.com/office/drawing/2014/main" xmlns="" id="{EDDD2879-CD7B-4233-9A6A-172FFF343EAC}"/>
               </a:ext>
             </a:extLst>
           </p:cNvPr>
@@ -243,7 +243,7 @@
           <p:cNvPr id="4" name="날짜 개체 틀 3">
             <a:extLst>
               <a:ext uri="{FF2B5EF4-FFF2-40B4-BE49-F238E27FC236}">
-                <a16:creationId xmlns="" xmlns:a16="http://schemas.microsoft.com/office/drawing/2014/main" id="{91828984-E658-4BB8-8874-BD8317ABCF37}"/>
+                <a16:creationId xmlns:a16="http://schemas.microsoft.com/office/drawing/2014/main" xmlns="" id="{91828984-E658-4BB8-8874-BD8317ABCF37}"/>
               </a:ext>
             </a:extLst>
           </p:cNvPr>
@@ -261,7 +261,7 @@
           <a:p>
             <a:fld id="{96E9B245-2076-40CB-ACDE-D58775C98695}" type="datetimeFigureOut">
               <a:rPr lang="ko-KR" altLang="en-US" smtClean="0"/>
-              <a:t>2020-11-25</a:t>
+              <a:t>2020-11-27</a:t>
             </a:fld>
             <a:endParaRPr lang="ko-KR" altLang="en-US"/>
           </a:p>
@@ -272,7 +272,7 @@
           <p:cNvPr id="5" name="바닥글 개체 틀 4">
             <a:extLst>
               <a:ext uri="{FF2B5EF4-FFF2-40B4-BE49-F238E27FC236}">
-                <a16:creationId xmlns="" xmlns:a16="http://schemas.microsoft.com/office/drawing/2014/main" id="{80DBA16E-4FB5-4E05-82C8-EC468F2F1C88}"/>
+                <a16:creationId xmlns:a16="http://schemas.microsoft.com/office/drawing/2014/main" xmlns="" id="{80DBA16E-4FB5-4E05-82C8-EC468F2F1C88}"/>
               </a:ext>
             </a:extLst>
           </p:cNvPr>
@@ -297,7 +297,7 @@
           <p:cNvPr id="6" name="슬라이드 번호 개체 틀 5">
             <a:extLst>
               <a:ext uri="{FF2B5EF4-FFF2-40B4-BE49-F238E27FC236}">
-                <a16:creationId xmlns="" xmlns:a16="http://schemas.microsoft.com/office/drawing/2014/main" id="{7146A1BC-E5B2-40C7-AC5F-51DAF5749BC7}"/>
+                <a16:creationId xmlns:a16="http://schemas.microsoft.com/office/drawing/2014/main" xmlns="" id="{7146A1BC-E5B2-40C7-AC5F-51DAF5749BC7}"/>
               </a:ext>
             </a:extLst>
           </p:cNvPr>
@@ -356,7 +356,7 @@
           <p:cNvPr id="2" name="제목 1">
             <a:extLst>
               <a:ext uri="{FF2B5EF4-FFF2-40B4-BE49-F238E27FC236}">
-                <a16:creationId xmlns="" xmlns:a16="http://schemas.microsoft.com/office/drawing/2014/main" id="{2C200C31-E912-4EAD-B401-D8CFE142BA3D}"/>
+                <a16:creationId xmlns:a16="http://schemas.microsoft.com/office/drawing/2014/main" xmlns="" id="{2C200C31-E912-4EAD-B401-D8CFE142BA3D}"/>
               </a:ext>
             </a:extLst>
           </p:cNvPr>
@@ -384,7 +384,7 @@
           <p:cNvPr id="3" name="세로 텍스트 개체 틀 2">
             <a:extLst>
               <a:ext uri="{FF2B5EF4-FFF2-40B4-BE49-F238E27FC236}">
-                <a16:creationId xmlns="" xmlns:a16="http://schemas.microsoft.com/office/drawing/2014/main" id="{F74BD3C7-1BB9-49E9-B8EF-5B539DF08FA6}"/>
+                <a16:creationId xmlns:a16="http://schemas.microsoft.com/office/drawing/2014/main" xmlns="" id="{F74BD3C7-1BB9-49E9-B8EF-5B539DF08FA6}"/>
               </a:ext>
             </a:extLst>
           </p:cNvPr>
@@ -441,7 +441,7 @@
           <p:cNvPr id="4" name="날짜 개체 틀 3">
             <a:extLst>
               <a:ext uri="{FF2B5EF4-FFF2-40B4-BE49-F238E27FC236}">
-                <a16:creationId xmlns="" xmlns:a16="http://schemas.microsoft.com/office/drawing/2014/main" id="{290F2357-D9AA-433F-8F81-5C993592B425}"/>
+                <a16:creationId xmlns:a16="http://schemas.microsoft.com/office/drawing/2014/main" xmlns="" id="{290F2357-D9AA-433F-8F81-5C993592B425}"/>
               </a:ext>
             </a:extLst>
           </p:cNvPr>
@@ -459,7 +459,7 @@
           <a:p>
             <a:fld id="{96E9B245-2076-40CB-ACDE-D58775C98695}" type="datetimeFigureOut">
               <a:rPr lang="ko-KR" altLang="en-US" smtClean="0"/>
-              <a:t>2020-11-25</a:t>
+              <a:t>2020-11-27</a:t>
             </a:fld>
             <a:endParaRPr lang="ko-KR" altLang="en-US"/>
           </a:p>
@@ -470,7 +470,7 @@
           <p:cNvPr id="5" name="바닥글 개체 틀 4">
             <a:extLst>
               <a:ext uri="{FF2B5EF4-FFF2-40B4-BE49-F238E27FC236}">
-                <a16:creationId xmlns="" xmlns:a16="http://schemas.microsoft.com/office/drawing/2014/main" id="{628E1FB3-38AC-435D-B8A4-CF7D7CE8B797}"/>
+                <a16:creationId xmlns:a16="http://schemas.microsoft.com/office/drawing/2014/main" xmlns="" id="{628E1FB3-38AC-435D-B8A4-CF7D7CE8B797}"/>
               </a:ext>
             </a:extLst>
           </p:cNvPr>
@@ -495,7 +495,7 @@
           <p:cNvPr id="6" name="슬라이드 번호 개체 틀 5">
             <a:extLst>
               <a:ext uri="{FF2B5EF4-FFF2-40B4-BE49-F238E27FC236}">
-                <a16:creationId xmlns="" xmlns:a16="http://schemas.microsoft.com/office/drawing/2014/main" id="{97C244B1-A69D-4B5A-AD69-F18927F28661}"/>
+                <a16:creationId xmlns:a16="http://schemas.microsoft.com/office/drawing/2014/main" xmlns="" id="{97C244B1-A69D-4B5A-AD69-F18927F28661}"/>
               </a:ext>
             </a:extLst>
           </p:cNvPr>
@@ -554,7 +554,7 @@
           <p:cNvPr id="2" name="세로 제목 1">
             <a:extLst>
               <a:ext uri="{FF2B5EF4-FFF2-40B4-BE49-F238E27FC236}">
-                <a16:creationId xmlns="" xmlns:a16="http://schemas.microsoft.com/office/drawing/2014/main" id="{1D8A94B6-2162-4F60-9BBC-C21E6B88CC6A}"/>
+                <a16:creationId xmlns:a16="http://schemas.microsoft.com/office/drawing/2014/main" xmlns="" id="{1D8A94B6-2162-4F60-9BBC-C21E6B88CC6A}"/>
               </a:ext>
             </a:extLst>
           </p:cNvPr>
@@ -587,7 +587,7 @@
           <p:cNvPr id="3" name="세로 텍스트 개체 틀 2">
             <a:extLst>
               <a:ext uri="{FF2B5EF4-FFF2-40B4-BE49-F238E27FC236}">
-                <a16:creationId xmlns="" xmlns:a16="http://schemas.microsoft.com/office/drawing/2014/main" id="{327F81E0-B579-4AFC-8D26-0B0AA2EB793A}"/>
+                <a16:creationId xmlns:a16="http://schemas.microsoft.com/office/drawing/2014/main" xmlns="" id="{327F81E0-B579-4AFC-8D26-0B0AA2EB793A}"/>
               </a:ext>
             </a:extLst>
           </p:cNvPr>
@@ -649,7 +649,7 @@
           <p:cNvPr id="4" name="날짜 개체 틀 3">
             <a:extLst>
               <a:ext uri="{FF2B5EF4-FFF2-40B4-BE49-F238E27FC236}">
-                <a16:creationId xmlns="" xmlns:a16="http://schemas.microsoft.com/office/drawing/2014/main" id="{8012CA42-9A2D-42DA-833F-F6B0F0FEA294}"/>
+                <a16:creationId xmlns:a16="http://schemas.microsoft.com/office/drawing/2014/main" xmlns="" id="{8012CA42-9A2D-42DA-833F-F6B0F0FEA294}"/>
               </a:ext>
             </a:extLst>
           </p:cNvPr>
@@ -667,7 +667,7 @@
           <a:p>
             <a:fld id="{96E9B245-2076-40CB-ACDE-D58775C98695}" type="datetimeFigureOut">
               <a:rPr lang="ko-KR" altLang="en-US" smtClean="0"/>
-              <a:t>2020-11-25</a:t>
+              <a:t>2020-11-27</a:t>
             </a:fld>
             <a:endParaRPr lang="ko-KR" altLang="en-US"/>
           </a:p>
@@ -678,7 +678,7 @@
           <p:cNvPr id="5" name="바닥글 개체 틀 4">
             <a:extLst>
               <a:ext uri="{FF2B5EF4-FFF2-40B4-BE49-F238E27FC236}">
-                <a16:creationId xmlns="" xmlns:a16="http://schemas.microsoft.com/office/drawing/2014/main" id="{87C48F76-9144-47A0-B39B-43D67D773EFA}"/>
+                <a16:creationId xmlns:a16="http://schemas.microsoft.com/office/drawing/2014/main" xmlns="" id="{87C48F76-9144-47A0-B39B-43D67D773EFA}"/>
               </a:ext>
             </a:extLst>
           </p:cNvPr>
@@ -703,7 +703,7 @@
           <p:cNvPr id="6" name="슬라이드 번호 개체 틀 5">
             <a:extLst>
               <a:ext uri="{FF2B5EF4-FFF2-40B4-BE49-F238E27FC236}">
-                <a16:creationId xmlns="" xmlns:a16="http://schemas.microsoft.com/office/drawing/2014/main" id="{BD03FE9D-CDED-45AE-BB6B-8642BA36B85C}"/>
+                <a16:creationId xmlns:a16="http://schemas.microsoft.com/office/drawing/2014/main" xmlns="" id="{BD03FE9D-CDED-45AE-BB6B-8642BA36B85C}"/>
               </a:ext>
             </a:extLst>
           </p:cNvPr>
@@ -762,7 +762,7 @@
           <p:cNvPr id="2" name="제목 1">
             <a:extLst>
               <a:ext uri="{FF2B5EF4-FFF2-40B4-BE49-F238E27FC236}">
-                <a16:creationId xmlns="" xmlns:a16="http://schemas.microsoft.com/office/drawing/2014/main" id="{6FE76F51-D8DE-4B32-A5BD-F2E09A7A0405}"/>
+                <a16:creationId xmlns:a16="http://schemas.microsoft.com/office/drawing/2014/main" xmlns="" id="{6FE76F51-D8DE-4B32-A5BD-F2E09A7A0405}"/>
               </a:ext>
             </a:extLst>
           </p:cNvPr>
@@ -790,7 +790,7 @@
           <p:cNvPr id="3" name="내용 개체 틀 2">
             <a:extLst>
               <a:ext uri="{FF2B5EF4-FFF2-40B4-BE49-F238E27FC236}">
-                <a16:creationId xmlns="" xmlns:a16="http://schemas.microsoft.com/office/drawing/2014/main" id="{C152F7D0-83C5-4FE7-B256-A7EDE9715DA3}"/>
+                <a16:creationId xmlns:a16="http://schemas.microsoft.com/office/drawing/2014/main" xmlns="" id="{C152F7D0-83C5-4FE7-B256-A7EDE9715DA3}"/>
               </a:ext>
             </a:extLst>
           </p:cNvPr>
@@ -847,7 +847,7 @@
           <p:cNvPr id="4" name="날짜 개체 틀 3">
             <a:extLst>
               <a:ext uri="{FF2B5EF4-FFF2-40B4-BE49-F238E27FC236}">
-                <a16:creationId xmlns="" xmlns:a16="http://schemas.microsoft.com/office/drawing/2014/main" id="{74714CD9-A810-44F2-BF9D-81583CA9964C}"/>
+                <a16:creationId xmlns:a16="http://schemas.microsoft.com/office/drawing/2014/main" xmlns="" id="{74714CD9-A810-44F2-BF9D-81583CA9964C}"/>
               </a:ext>
             </a:extLst>
           </p:cNvPr>
@@ -865,7 +865,7 @@
           <a:p>
             <a:fld id="{96E9B245-2076-40CB-ACDE-D58775C98695}" type="datetimeFigureOut">
               <a:rPr lang="ko-KR" altLang="en-US" smtClean="0"/>
-              <a:t>2020-11-25</a:t>
+              <a:t>2020-11-27</a:t>
             </a:fld>
             <a:endParaRPr lang="ko-KR" altLang="en-US"/>
           </a:p>
@@ -876,7 +876,7 @@
           <p:cNvPr id="5" name="바닥글 개체 틀 4">
             <a:extLst>
               <a:ext uri="{FF2B5EF4-FFF2-40B4-BE49-F238E27FC236}">
-                <a16:creationId xmlns="" xmlns:a16="http://schemas.microsoft.com/office/drawing/2014/main" id="{7A73E13C-F272-445A-B2F4-F3536E3CD9DB}"/>
+                <a16:creationId xmlns:a16="http://schemas.microsoft.com/office/drawing/2014/main" xmlns="" id="{7A73E13C-F272-445A-B2F4-F3536E3CD9DB}"/>
               </a:ext>
             </a:extLst>
           </p:cNvPr>
@@ -901,7 +901,7 @@
           <p:cNvPr id="6" name="슬라이드 번호 개체 틀 5">
             <a:extLst>
               <a:ext uri="{FF2B5EF4-FFF2-40B4-BE49-F238E27FC236}">
-                <a16:creationId xmlns="" xmlns:a16="http://schemas.microsoft.com/office/drawing/2014/main" id="{5FD69B14-5B09-44DB-A25F-B5DDF46BA3BF}"/>
+                <a16:creationId xmlns:a16="http://schemas.microsoft.com/office/drawing/2014/main" xmlns="" id="{5FD69B14-5B09-44DB-A25F-B5DDF46BA3BF}"/>
               </a:ext>
             </a:extLst>
           </p:cNvPr>
@@ -960,7 +960,7 @@
           <p:cNvPr id="2" name="제목 1">
             <a:extLst>
               <a:ext uri="{FF2B5EF4-FFF2-40B4-BE49-F238E27FC236}">
-                <a16:creationId xmlns="" xmlns:a16="http://schemas.microsoft.com/office/drawing/2014/main" id="{64DC5775-F271-47E8-A583-6EFEE63E02E4}"/>
+                <a16:creationId xmlns:a16="http://schemas.microsoft.com/office/drawing/2014/main" xmlns="" id="{64DC5775-F271-47E8-A583-6EFEE63E02E4}"/>
               </a:ext>
             </a:extLst>
           </p:cNvPr>
@@ -997,7 +997,7 @@
           <p:cNvPr id="3" name="텍스트 개체 틀 2">
             <a:extLst>
               <a:ext uri="{FF2B5EF4-FFF2-40B4-BE49-F238E27FC236}">
-                <a16:creationId xmlns="" xmlns:a16="http://schemas.microsoft.com/office/drawing/2014/main" id="{FF409596-D62C-4792-A59C-FE192658696F}"/>
+                <a16:creationId xmlns:a16="http://schemas.microsoft.com/office/drawing/2014/main" xmlns="" id="{FF409596-D62C-4792-A59C-FE192658696F}"/>
               </a:ext>
             </a:extLst>
           </p:cNvPr>
@@ -1122,7 +1122,7 @@
           <p:cNvPr id="4" name="날짜 개체 틀 3">
             <a:extLst>
               <a:ext uri="{FF2B5EF4-FFF2-40B4-BE49-F238E27FC236}">
-                <a16:creationId xmlns="" xmlns:a16="http://schemas.microsoft.com/office/drawing/2014/main" id="{FD0950A4-2E88-4EB9-A44E-680FCB66EB70}"/>
+                <a16:creationId xmlns:a16="http://schemas.microsoft.com/office/drawing/2014/main" xmlns="" id="{FD0950A4-2E88-4EB9-A44E-680FCB66EB70}"/>
               </a:ext>
             </a:extLst>
           </p:cNvPr>
@@ -1140,7 +1140,7 @@
           <a:p>
             <a:fld id="{96E9B245-2076-40CB-ACDE-D58775C98695}" type="datetimeFigureOut">
               <a:rPr lang="ko-KR" altLang="en-US" smtClean="0"/>
-              <a:t>2020-11-25</a:t>
+              <a:t>2020-11-27</a:t>
             </a:fld>
             <a:endParaRPr lang="ko-KR" altLang="en-US"/>
           </a:p>
@@ -1151,7 +1151,7 @@
           <p:cNvPr id="5" name="바닥글 개체 틀 4">
             <a:extLst>
               <a:ext uri="{FF2B5EF4-FFF2-40B4-BE49-F238E27FC236}">
-                <a16:creationId xmlns="" xmlns:a16="http://schemas.microsoft.com/office/drawing/2014/main" id="{A0EBD91C-0203-4879-A666-62B1C0F803B8}"/>
+                <a16:creationId xmlns:a16="http://schemas.microsoft.com/office/drawing/2014/main" xmlns="" id="{A0EBD91C-0203-4879-A666-62B1C0F803B8}"/>
               </a:ext>
             </a:extLst>
           </p:cNvPr>
@@ -1176,7 +1176,7 @@
           <p:cNvPr id="6" name="슬라이드 번호 개체 틀 5">
             <a:extLst>
               <a:ext uri="{FF2B5EF4-FFF2-40B4-BE49-F238E27FC236}">
-                <a16:creationId xmlns="" xmlns:a16="http://schemas.microsoft.com/office/drawing/2014/main" id="{9EB3E498-A2A1-483D-8FD4-C4696FC7712C}"/>
+                <a16:creationId xmlns:a16="http://schemas.microsoft.com/office/drawing/2014/main" xmlns="" id="{9EB3E498-A2A1-483D-8FD4-C4696FC7712C}"/>
               </a:ext>
             </a:extLst>
           </p:cNvPr>
@@ -1235,7 +1235,7 @@
           <p:cNvPr id="2" name="제목 1">
             <a:extLst>
               <a:ext uri="{FF2B5EF4-FFF2-40B4-BE49-F238E27FC236}">
-                <a16:creationId xmlns="" xmlns:a16="http://schemas.microsoft.com/office/drawing/2014/main" id="{6B1E1476-701B-4239-8314-F85D481F2F48}"/>
+                <a16:creationId xmlns:a16="http://schemas.microsoft.com/office/drawing/2014/main" xmlns="" id="{6B1E1476-701B-4239-8314-F85D481F2F48}"/>
               </a:ext>
             </a:extLst>
           </p:cNvPr>
@@ -1263,7 +1263,7 @@
           <p:cNvPr id="3" name="내용 개체 틀 2">
             <a:extLst>
               <a:ext uri="{FF2B5EF4-FFF2-40B4-BE49-F238E27FC236}">
-                <a16:creationId xmlns="" xmlns:a16="http://schemas.microsoft.com/office/drawing/2014/main" id="{B074400D-9606-4BC1-82AC-9312A62DCCA3}"/>
+                <a16:creationId xmlns:a16="http://schemas.microsoft.com/office/drawing/2014/main" xmlns="" id="{B074400D-9606-4BC1-82AC-9312A62DCCA3}"/>
               </a:ext>
             </a:extLst>
           </p:cNvPr>
@@ -1325,7 +1325,7 @@
           <p:cNvPr id="4" name="내용 개체 틀 3">
             <a:extLst>
               <a:ext uri="{FF2B5EF4-FFF2-40B4-BE49-F238E27FC236}">
-                <a16:creationId xmlns="" xmlns:a16="http://schemas.microsoft.com/office/drawing/2014/main" id="{D2280C09-E2BD-49DE-959A-3FA14A4DB39B}"/>
+                <a16:creationId xmlns:a16="http://schemas.microsoft.com/office/drawing/2014/main" xmlns="" id="{D2280C09-E2BD-49DE-959A-3FA14A4DB39B}"/>
               </a:ext>
             </a:extLst>
           </p:cNvPr>
@@ -1387,7 +1387,7 @@
           <p:cNvPr id="5" name="날짜 개체 틀 4">
             <a:extLst>
               <a:ext uri="{FF2B5EF4-FFF2-40B4-BE49-F238E27FC236}">
-                <a16:creationId xmlns="" xmlns:a16="http://schemas.microsoft.com/office/drawing/2014/main" id="{E2A0322F-D0C5-4AD5-855E-65F1C46FAF66}"/>
+                <a16:creationId xmlns:a16="http://schemas.microsoft.com/office/drawing/2014/main" xmlns="" id="{E2A0322F-D0C5-4AD5-855E-65F1C46FAF66}"/>
               </a:ext>
             </a:extLst>
           </p:cNvPr>
@@ -1405,7 +1405,7 @@
           <a:p>
             <a:fld id="{96E9B245-2076-40CB-ACDE-D58775C98695}" type="datetimeFigureOut">
               <a:rPr lang="ko-KR" altLang="en-US" smtClean="0"/>
-              <a:t>2020-11-25</a:t>
+              <a:t>2020-11-27</a:t>
             </a:fld>
             <a:endParaRPr lang="ko-KR" altLang="en-US"/>
           </a:p>
@@ -1416,7 +1416,7 @@
           <p:cNvPr id="6" name="바닥글 개체 틀 5">
             <a:extLst>
               <a:ext uri="{FF2B5EF4-FFF2-40B4-BE49-F238E27FC236}">
-                <a16:creationId xmlns="" xmlns:a16="http://schemas.microsoft.com/office/drawing/2014/main" id="{4333CE0F-758F-4350-B0C3-2752F545DE39}"/>
+                <a16:creationId xmlns:a16="http://schemas.microsoft.com/office/drawing/2014/main" xmlns="" id="{4333CE0F-758F-4350-B0C3-2752F545DE39}"/>
               </a:ext>
             </a:extLst>
           </p:cNvPr>
@@ -1441,7 +1441,7 @@
           <p:cNvPr id="7" name="슬라이드 번호 개체 틀 6">
             <a:extLst>
               <a:ext uri="{FF2B5EF4-FFF2-40B4-BE49-F238E27FC236}">
-                <a16:creationId xmlns="" xmlns:a16="http://schemas.microsoft.com/office/drawing/2014/main" id="{1330197B-49F4-4331-B4CC-B046B6942BCA}"/>
+                <a16:creationId xmlns:a16="http://schemas.microsoft.com/office/drawing/2014/main" xmlns="" id="{1330197B-49F4-4331-B4CC-B046B6942BCA}"/>
               </a:ext>
             </a:extLst>
           </p:cNvPr>
@@ -1500,7 +1500,7 @@
           <p:cNvPr id="2" name="제목 1">
             <a:extLst>
               <a:ext uri="{FF2B5EF4-FFF2-40B4-BE49-F238E27FC236}">
-                <a16:creationId xmlns="" xmlns:a16="http://schemas.microsoft.com/office/drawing/2014/main" id="{BAA5EA05-E399-4BF1-B6A0-C370ED24506C}"/>
+                <a16:creationId xmlns:a16="http://schemas.microsoft.com/office/drawing/2014/main" xmlns="" id="{BAA5EA05-E399-4BF1-B6A0-C370ED24506C}"/>
               </a:ext>
             </a:extLst>
           </p:cNvPr>
@@ -1533,7 +1533,7 @@
           <p:cNvPr id="3" name="텍스트 개체 틀 2">
             <a:extLst>
               <a:ext uri="{FF2B5EF4-FFF2-40B4-BE49-F238E27FC236}">
-                <a16:creationId xmlns="" xmlns:a16="http://schemas.microsoft.com/office/drawing/2014/main" id="{EF32B97F-0E70-4206-A0F7-BDDD9B53D570}"/>
+                <a16:creationId xmlns:a16="http://schemas.microsoft.com/office/drawing/2014/main" xmlns="" id="{EF32B97F-0E70-4206-A0F7-BDDD9B53D570}"/>
               </a:ext>
             </a:extLst>
           </p:cNvPr>
@@ -1604,7 +1604,7 @@
           <p:cNvPr id="4" name="내용 개체 틀 3">
             <a:extLst>
               <a:ext uri="{FF2B5EF4-FFF2-40B4-BE49-F238E27FC236}">
-                <a16:creationId xmlns="" xmlns:a16="http://schemas.microsoft.com/office/drawing/2014/main" id="{C452530C-A287-42DB-BA1C-E0920CE99E8E}"/>
+                <a16:creationId xmlns:a16="http://schemas.microsoft.com/office/drawing/2014/main" xmlns="" id="{C452530C-A287-42DB-BA1C-E0920CE99E8E}"/>
               </a:ext>
             </a:extLst>
           </p:cNvPr>
@@ -1666,7 +1666,7 @@
           <p:cNvPr id="5" name="텍스트 개체 틀 4">
             <a:extLst>
               <a:ext uri="{FF2B5EF4-FFF2-40B4-BE49-F238E27FC236}">
-                <a16:creationId xmlns="" xmlns:a16="http://schemas.microsoft.com/office/drawing/2014/main" id="{960173B4-2288-4257-9661-42D8AB36187C}"/>
+                <a16:creationId xmlns:a16="http://schemas.microsoft.com/office/drawing/2014/main" xmlns="" id="{960173B4-2288-4257-9661-42D8AB36187C}"/>
               </a:ext>
             </a:extLst>
           </p:cNvPr>
@@ -1737,7 +1737,7 @@
           <p:cNvPr id="6" name="내용 개체 틀 5">
             <a:extLst>
               <a:ext uri="{FF2B5EF4-FFF2-40B4-BE49-F238E27FC236}">
-                <a16:creationId xmlns="" xmlns:a16="http://schemas.microsoft.com/office/drawing/2014/main" id="{9B6B807B-D886-4D69-A526-3F2674009497}"/>
+                <a16:creationId xmlns:a16="http://schemas.microsoft.com/office/drawing/2014/main" xmlns="" id="{9B6B807B-D886-4D69-A526-3F2674009497}"/>
               </a:ext>
             </a:extLst>
           </p:cNvPr>
@@ -1799,7 +1799,7 @@
           <p:cNvPr id="7" name="날짜 개체 틀 6">
             <a:extLst>
               <a:ext uri="{FF2B5EF4-FFF2-40B4-BE49-F238E27FC236}">
-                <a16:creationId xmlns="" xmlns:a16="http://schemas.microsoft.com/office/drawing/2014/main" id="{51AAF532-C9F0-43A5-9252-1A4D15EBB03E}"/>
+                <a16:creationId xmlns:a16="http://schemas.microsoft.com/office/drawing/2014/main" xmlns="" id="{51AAF532-C9F0-43A5-9252-1A4D15EBB03E}"/>
               </a:ext>
             </a:extLst>
           </p:cNvPr>
@@ -1817,7 +1817,7 @@
           <a:p>
             <a:fld id="{96E9B245-2076-40CB-ACDE-D58775C98695}" type="datetimeFigureOut">
               <a:rPr lang="ko-KR" altLang="en-US" smtClean="0"/>
-              <a:t>2020-11-25</a:t>
+              <a:t>2020-11-27</a:t>
             </a:fld>
             <a:endParaRPr lang="ko-KR" altLang="en-US"/>
           </a:p>
@@ -1828,7 +1828,7 @@
           <p:cNvPr id="8" name="바닥글 개체 틀 7">
             <a:extLst>
               <a:ext uri="{FF2B5EF4-FFF2-40B4-BE49-F238E27FC236}">
-                <a16:creationId xmlns="" xmlns:a16="http://schemas.microsoft.com/office/drawing/2014/main" id="{4B14C82C-6B8C-4892-AE66-7A42CF2FC787}"/>
+                <a16:creationId xmlns:a16="http://schemas.microsoft.com/office/drawing/2014/main" xmlns="" id="{4B14C82C-6B8C-4892-AE66-7A42CF2FC787}"/>
               </a:ext>
             </a:extLst>
           </p:cNvPr>
@@ -1853,7 +1853,7 @@
           <p:cNvPr id="9" name="슬라이드 번호 개체 틀 8">
             <a:extLst>
               <a:ext uri="{FF2B5EF4-FFF2-40B4-BE49-F238E27FC236}">
-                <a16:creationId xmlns="" xmlns:a16="http://schemas.microsoft.com/office/drawing/2014/main" id="{5151AE03-877C-44AA-A87A-552AAFDEBEC4}"/>
+                <a16:creationId xmlns:a16="http://schemas.microsoft.com/office/drawing/2014/main" xmlns="" id="{5151AE03-877C-44AA-A87A-552AAFDEBEC4}"/>
               </a:ext>
             </a:extLst>
           </p:cNvPr>
@@ -1912,7 +1912,7 @@
           <p:cNvPr id="2" name="제목 1">
             <a:extLst>
               <a:ext uri="{FF2B5EF4-FFF2-40B4-BE49-F238E27FC236}">
-                <a16:creationId xmlns="" xmlns:a16="http://schemas.microsoft.com/office/drawing/2014/main" id="{6226277B-1F94-46BA-8E20-CAEE023C431A}"/>
+                <a16:creationId xmlns:a16="http://schemas.microsoft.com/office/drawing/2014/main" xmlns="" id="{6226277B-1F94-46BA-8E20-CAEE023C431A}"/>
               </a:ext>
             </a:extLst>
           </p:cNvPr>
@@ -1940,7 +1940,7 @@
           <p:cNvPr id="3" name="날짜 개체 틀 2">
             <a:extLst>
               <a:ext uri="{FF2B5EF4-FFF2-40B4-BE49-F238E27FC236}">
-                <a16:creationId xmlns="" xmlns:a16="http://schemas.microsoft.com/office/drawing/2014/main" id="{7180AF50-5637-45EC-A901-1F6C7D6FAC1F}"/>
+                <a16:creationId xmlns:a16="http://schemas.microsoft.com/office/drawing/2014/main" xmlns="" id="{7180AF50-5637-45EC-A901-1F6C7D6FAC1F}"/>
               </a:ext>
             </a:extLst>
           </p:cNvPr>
@@ -1958,7 +1958,7 @@
           <a:p>
             <a:fld id="{96E9B245-2076-40CB-ACDE-D58775C98695}" type="datetimeFigureOut">
               <a:rPr lang="ko-KR" altLang="en-US" smtClean="0"/>
-              <a:t>2020-11-25</a:t>
+              <a:t>2020-11-27</a:t>
             </a:fld>
             <a:endParaRPr lang="ko-KR" altLang="en-US"/>
           </a:p>
@@ -1969,7 +1969,7 @@
           <p:cNvPr id="4" name="바닥글 개체 틀 3">
             <a:extLst>
               <a:ext uri="{FF2B5EF4-FFF2-40B4-BE49-F238E27FC236}">
-                <a16:creationId xmlns="" xmlns:a16="http://schemas.microsoft.com/office/drawing/2014/main" id="{631A5651-E0AA-4017-881E-4FDC57EBE4FA}"/>
+                <a16:creationId xmlns:a16="http://schemas.microsoft.com/office/drawing/2014/main" xmlns="" id="{631A5651-E0AA-4017-881E-4FDC57EBE4FA}"/>
               </a:ext>
             </a:extLst>
           </p:cNvPr>
@@ -1994,7 +1994,7 @@
           <p:cNvPr id="5" name="슬라이드 번호 개체 틀 4">
             <a:extLst>
               <a:ext uri="{FF2B5EF4-FFF2-40B4-BE49-F238E27FC236}">
-                <a16:creationId xmlns="" xmlns:a16="http://schemas.microsoft.com/office/drawing/2014/main" id="{6CF1A3E2-E860-4818-9DCC-130453AEC1D3}"/>
+                <a16:creationId xmlns:a16="http://schemas.microsoft.com/office/drawing/2014/main" xmlns="" id="{6CF1A3E2-E860-4818-9DCC-130453AEC1D3}"/>
               </a:ext>
             </a:extLst>
           </p:cNvPr>
@@ -2053,7 +2053,7 @@
           <p:cNvPr id="2" name="날짜 개체 틀 1">
             <a:extLst>
               <a:ext uri="{FF2B5EF4-FFF2-40B4-BE49-F238E27FC236}">
-                <a16:creationId xmlns="" xmlns:a16="http://schemas.microsoft.com/office/drawing/2014/main" id="{F76D7947-58EA-4646-991C-ED5EC9F630CC}"/>
+                <a16:creationId xmlns:a16="http://schemas.microsoft.com/office/drawing/2014/main" xmlns="" id="{F76D7947-58EA-4646-991C-ED5EC9F630CC}"/>
               </a:ext>
             </a:extLst>
           </p:cNvPr>
@@ -2071,7 +2071,7 @@
           <a:p>
             <a:fld id="{96E9B245-2076-40CB-ACDE-D58775C98695}" type="datetimeFigureOut">
               <a:rPr lang="ko-KR" altLang="en-US" smtClean="0"/>
-              <a:t>2020-11-25</a:t>
+              <a:t>2020-11-27</a:t>
             </a:fld>
             <a:endParaRPr lang="ko-KR" altLang="en-US"/>
           </a:p>
@@ -2082,7 +2082,7 @@
           <p:cNvPr id="3" name="바닥글 개체 틀 2">
             <a:extLst>
               <a:ext uri="{FF2B5EF4-FFF2-40B4-BE49-F238E27FC236}">
-                <a16:creationId xmlns="" xmlns:a16="http://schemas.microsoft.com/office/drawing/2014/main" id="{0A09DA7D-D7D4-46BC-ABC6-40C6E3055C5F}"/>
+                <a16:creationId xmlns:a16="http://schemas.microsoft.com/office/drawing/2014/main" xmlns="" id="{0A09DA7D-D7D4-46BC-ABC6-40C6E3055C5F}"/>
               </a:ext>
             </a:extLst>
           </p:cNvPr>
@@ -2107,7 +2107,7 @@
           <p:cNvPr id="4" name="슬라이드 번호 개체 틀 3">
             <a:extLst>
               <a:ext uri="{FF2B5EF4-FFF2-40B4-BE49-F238E27FC236}">
-                <a16:creationId xmlns="" xmlns:a16="http://schemas.microsoft.com/office/drawing/2014/main" id="{7811B9EC-FE88-4907-A453-C37E42F61A9E}"/>
+                <a16:creationId xmlns:a16="http://schemas.microsoft.com/office/drawing/2014/main" xmlns="" id="{7811B9EC-FE88-4907-A453-C37E42F61A9E}"/>
               </a:ext>
             </a:extLst>
           </p:cNvPr>
@@ -2166,7 +2166,7 @@
           <p:cNvPr id="2" name="제목 1">
             <a:extLst>
               <a:ext uri="{FF2B5EF4-FFF2-40B4-BE49-F238E27FC236}">
-                <a16:creationId xmlns="" xmlns:a16="http://schemas.microsoft.com/office/drawing/2014/main" id="{29EB5068-C6BB-4013-AED2-8397BC90405C}"/>
+                <a16:creationId xmlns:a16="http://schemas.microsoft.com/office/drawing/2014/main" xmlns="" id="{29EB5068-C6BB-4013-AED2-8397BC90405C}"/>
               </a:ext>
             </a:extLst>
           </p:cNvPr>
@@ -2203,7 +2203,7 @@
           <p:cNvPr id="3" name="내용 개체 틀 2">
             <a:extLst>
               <a:ext uri="{FF2B5EF4-FFF2-40B4-BE49-F238E27FC236}">
-                <a16:creationId xmlns="" xmlns:a16="http://schemas.microsoft.com/office/drawing/2014/main" id="{5F21880D-B3C2-42E2-BD26-9857AC87CE8B}"/>
+                <a16:creationId xmlns:a16="http://schemas.microsoft.com/office/drawing/2014/main" xmlns="" id="{5F21880D-B3C2-42E2-BD26-9857AC87CE8B}"/>
               </a:ext>
             </a:extLst>
           </p:cNvPr>
@@ -2293,7 +2293,7 @@
           <p:cNvPr id="4" name="텍스트 개체 틀 3">
             <a:extLst>
               <a:ext uri="{FF2B5EF4-FFF2-40B4-BE49-F238E27FC236}">
-                <a16:creationId xmlns="" xmlns:a16="http://schemas.microsoft.com/office/drawing/2014/main" id="{6642546A-6FB7-433D-8679-75EE9BBE2790}"/>
+                <a16:creationId xmlns:a16="http://schemas.microsoft.com/office/drawing/2014/main" xmlns="" id="{6642546A-6FB7-433D-8679-75EE9BBE2790}"/>
               </a:ext>
             </a:extLst>
           </p:cNvPr>
@@ -2364,7 +2364,7 @@
           <p:cNvPr id="5" name="날짜 개체 틀 4">
             <a:extLst>
               <a:ext uri="{FF2B5EF4-FFF2-40B4-BE49-F238E27FC236}">
-                <a16:creationId xmlns="" xmlns:a16="http://schemas.microsoft.com/office/drawing/2014/main" id="{4A96EB02-F906-4192-A10E-8B6DEE8E94D9}"/>
+                <a16:creationId xmlns:a16="http://schemas.microsoft.com/office/drawing/2014/main" xmlns="" id="{4A96EB02-F906-4192-A10E-8B6DEE8E94D9}"/>
               </a:ext>
             </a:extLst>
           </p:cNvPr>
@@ -2382,7 +2382,7 @@
           <a:p>
             <a:fld id="{96E9B245-2076-40CB-ACDE-D58775C98695}" type="datetimeFigureOut">
               <a:rPr lang="ko-KR" altLang="en-US" smtClean="0"/>
-              <a:t>2020-11-25</a:t>
+              <a:t>2020-11-27</a:t>
             </a:fld>
             <a:endParaRPr lang="ko-KR" altLang="en-US"/>
           </a:p>
@@ -2393,7 +2393,7 @@
           <p:cNvPr id="6" name="바닥글 개체 틀 5">
             <a:extLst>
               <a:ext uri="{FF2B5EF4-FFF2-40B4-BE49-F238E27FC236}">
-                <a16:creationId xmlns="" xmlns:a16="http://schemas.microsoft.com/office/drawing/2014/main" id="{285F9A33-065E-4CCD-9EB2-F03EDE5DB08D}"/>
+                <a16:creationId xmlns:a16="http://schemas.microsoft.com/office/drawing/2014/main" xmlns="" id="{285F9A33-065E-4CCD-9EB2-F03EDE5DB08D}"/>
               </a:ext>
             </a:extLst>
           </p:cNvPr>
@@ -2418,7 +2418,7 @@
           <p:cNvPr id="7" name="슬라이드 번호 개체 틀 6">
             <a:extLst>
               <a:ext uri="{FF2B5EF4-FFF2-40B4-BE49-F238E27FC236}">
-                <a16:creationId xmlns="" xmlns:a16="http://schemas.microsoft.com/office/drawing/2014/main" id="{44B93FEA-7B02-4218-9244-7C4D2B52A171}"/>
+                <a16:creationId xmlns:a16="http://schemas.microsoft.com/office/drawing/2014/main" xmlns="" id="{44B93FEA-7B02-4218-9244-7C4D2B52A171}"/>
               </a:ext>
             </a:extLst>
           </p:cNvPr>
@@ -2477,7 +2477,7 @@
           <p:cNvPr id="2" name="제목 1">
             <a:extLst>
               <a:ext uri="{FF2B5EF4-FFF2-40B4-BE49-F238E27FC236}">
-                <a16:creationId xmlns="" xmlns:a16="http://schemas.microsoft.com/office/drawing/2014/main" id="{74B63802-3142-4C09-ADB3-AB4AE9A8A3C9}"/>
+                <a16:creationId xmlns:a16="http://schemas.microsoft.com/office/drawing/2014/main" xmlns="" id="{74B63802-3142-4C09-ADB3-AB4AE9A8A3C9}"/>
               </a:ext>
             </a:extLst>
           </p:cNvPr>
@@ -2514,7 +2514,7 @@
           <p:cNvPr id="3" name="그림 개체 틀 2">
             <a:extLst>
               <a:ext uri="{FF2B5EF4-FFF2-40B4-BE49-F238E27FC236}">
-                <a16:creationId xmlns="" xmlns:a16="http://schemas.microsoft.com/office/drawing/2014/main" id="{0C617338-A97A-49F5-AB03-8E10FA57349F}"/>
+                <a16:creationId xmlns:a16="http://schemas.microsoft.com/office/drawing/2014/main" xmlns="" id="{0C617338-A97A-49F5-AB03-8E10FA57349F}"/>
               </a:ext>
             </a:extLst>
           </p:cNvPr>
@@ -2581,7 +2581,7 @@
           <p:cNvPr id="4" name="텍스트 개체 틀 3">
             <a:extLst>
               <a:ext uri="{FF2B5EF4-FFF2-40B4-BE49-F238E27FC236}">
-                <a16:creationId xmlns="" xmlns:a16="http://schemas.microsoft.com/office/drawing/2014/main" id="{F03BA006-43DA-4870-A36F-ED9B4132AF4A}"/>
+                <a16:creationId xmlns:a16="http://schemas.microsoft.com/office/drawing/2014/main" xmlns="" id="{F03BA006-43DA-4870-A36F-ED9B4132AF4A}"/>
               </a:ext>
             </a:extLst>
           </p:cNvPr>
@@ -2652,7 +2652,7 @@
           <p:cNvPr id="5" name="날짜 개체 틀 4">
             <a:extLst>
               <a:ext uri="{FF2B5EF4-FFF2-40B4-BE49-F238E27FC236}">
-                <a16:creationId xmlns="" xmlns:a16="http://schemas.microsoft.com/office/drawing/2014/main" id="{BA67BF82-4BE9-423A-902F-9ED6304ABD41}"/>
+                <a16:creationId xmlns:a16="http://schemas.microsoft.com/office/drawing/2014/main" xmlns="" id="{BA67BF82-4BE9-423A-902F-9ED6304ABD41}"/>
               </a:ext>
             </a:extLst>
           </p:cNvPr>
@@ -2670,7 +2670,7 @@
           <a:p>
             <a:fld id="{96E9B245-2076-40CB-ACDE-D58775C98695}" type="datetimeFigureOut">
               <a:rPr lang="ko-KR" altLang="en-US" smtClean="0"/>
-              <a:t>2020-11-25</a:t>
+              <a:t>2020-11-27</a:t>
             </a:fld>
             <a:endParaRPr lang="ko-KR" altLang="en-US"/>
           </a:p>
@@ -2681,7 +2681,7 @@
           <p:cNvPr id="6" name="바닥글 개체 틀 5">
             <a:extLst>
               <a:ext uri="{FF2B5EF4-FFF2-40B4-BE49-F238E27FC236}">
-                <a16:creationId xmlns="" xmlns:a16="http://schemas.microsoft.com/office/drawing/2014/main" id="{4C6A188A-B89F-41F7-BCA0-8A32F7101A7D}"/>
+                <a16:creationId xmlns:a16="http://schemas.microsoft.com/office/drawing/2014/main" xmlns="" id="{4C6A188A-B89F-41F7-BCA0-8A32F7101A7D}"/>
               </a:ext>
             </a:extLst>
           </p:cNvPr>
@@ -2706,7 +2706,7 @@
           <p:cNvPr id="7" name="슬라이드 번호 개체 틀 6">
             <a:extLst>
               <a:ext uri="{FF2B5EF4-FFF2-40B4-BE49-F238E27FC236}">
-                <a16:creationId xmlns="" xmlns:a16="http://schemas.microsoft.com/office/drawing/2014/main" id="{77993406-8AFC-4EB3-9E27-D17902E41F3A}"/>
+                <a16:creationId xmlns:a16="http://schemas.microsoft.com/office/drawing/2014/main" xmlns="" id="{77993406-8AFC-4EB3-9E27-D17902E41F3A}"/>
               </a:ext>
             </a:extLst>
           </p:cNvPr>
@@ -2770,7 +2770,7 @@
           <p:cNvPr id="2" name="제목 개체 틀 1">
             <a:extLst>
               <a:ext uri="{FF2B5EF4-FFF2-40B4-BE49-F238E27FC236}">
-                <a16:creationId xmlns="" xmlns:a16="http://schemas.microsoft.com/office/drawing/2014/main" id="{3F5FFA22-772B-4390-B9E2-3BA8D85C6838}"/>
+                <a16:creationId xmlns:a16="http://schemas.microsoft.com/office/drawing/2014/main" xmlns="" id="{3F5FFA22-772B-4390-B9E2-3BA8D85C6838}"/>
               </a:ext>
             </a:extLst>
           </p:cNvPr>
@@ -2808,7 +2808,7 @@
           <p:cNvPr id="3" name="텍스트 개체 틀 2">
             <a:extLst>
               <a:ext uri="{FF2B5EF4-FFF2-40B4-BE49-F238E27FC236}">
-                <a16:creationId xmlns="" xmlns:a16="http://schemas.microsoft.com/office/drawing/2014/main" id="{1EC98CBB-2FC3-4068-8310-0BA508931F67}"/>
+                <a16:creationId xmlns:a16="http://schemas.microsoft.com/office/drawing/2014/main" xmlns="" id="{1EC98CBB-2FC3-4068-8310-0BA508931F67}"/>
               </a:ext>
             </a:extLst>
           </p:cNvPr>
@@ -2875,7 +2875,7 @@
           <p:cNvPr id="4" name="날짜 개체 틀 3">
             <a:extLst>
               <a:ext uri="{FF2B5EF4-FFF2-40B4-BE49-F238E27FC236}">
-                <a16:creationId xmlns="" xmlns:a16="http://schemas.microsoft.com/office/drawing/2014/main" id="{1903A797-6E42-4E25-BC83-1FADC0E55EE2}"/>
+                <a16:creationId xmlns:a16="http://schemas.microsoft.com/office/drawing/2014/main" xmlns="" id="{1903A797-6E42-4E25-BC83-1FADC0E55EE2}"/>
               </a:ext>
             </a:extLst>
           </p:cNvPr>
@@ -2911,7 +2911,7 @@
           <a:p>
             <a:fld id="{96E9B245-2076-40CB-ACDE-D58775C98695}" type="datetimeFigureOut">
               <a:rPr lang="ko-KR" altLang="en-US" smtClean="0"/>
-              <a:t>2020-11-25</a:t>
+              <a:t>2020-11-27</a:t>
             </a:fld>
             <a:endParaRPr lang="ko-KR" altLang="en-US"/>
           </a:p>
@@ -2922,7 +2922,7 @@
           <p:cNvPr id="5" name="바닥글 개체 틀 4">
             <a:extLst>
               <a:ext uri="{FF2B5EF4-FFF2-40B4-BE49-F238E27FC236}">
-                <a16:creationId xmlns="" xmlns:a16="http://schemas.microsoft.com/office/drawing/2014/main" id="{6D44985F-B7AC-4350-9FA5-9CE06C2CB19D}"/>
+                <a16:creationId xmlns:a16="http://schemas.microsoft.com/office/drawing/2014/main" xmlns="" id="{6D44985F-B7AC-4350-9FA5-9CE06C2CB19D}"/>
               </a:ext>
             </a:extLst>
           </p:cNvPr>
@@ -2965,7 +2965,7 @@
           <p:cNvPr id="6" name="슬라이드 번호 개체 틀 5">
             <a:extLst>
               <a:ext uri="{FF2B5EF4-FFF2-40B4-BE49-F238E27FC236}">
-                <a16:creationId xmlns="" xmlns:a16="http://schemas.microsoft.com/office/drawing/2014/main" id="{5D94944D-231A-4164-9D7D-2A58346C59B3}"/>
+                <a16:creationId xmlns:a16="http://schemas.microsoft.com/office/drawing/2014/main" xmlns="" id="{5D94944D-231A-4164-9D7D-2A58346C59B3}"/>
               </a:ext>
             </a:extLst>
           </p:cNvPr>
@@ -3341,7 +3341,7 @@
           <p:cNvPr id="2" name="제목 1">
             <a:extLst>
               <a:ext uri="{FF2B5EF4-FFF2-40B4-BE49-F238E27FC236}">
-                <a16:creationId xmlns="" xmlns:a16="http://schemas.microsoft.com/office/drawing/2014/main" id="{9D0D6DAD-010C-4B48-B2C8-A05307AE725D}"/>
+                <a16:creationId xmlns:a16="http://schemas.microsoft.com/office/drawing/2014/main" xmlns="" id="{9D0D6DAD-010C-4B48-B2C8-A05307AE725D}"/>
               </a:ext>
             </a:extLst>
           </p:cNvPr>
@@ -3429,7 +3429,7 @@
           <p:cNvPr id="3" name="부제목 2">
             <a:extLst>
               <a:ext uri="{FF2B5EF4-FFF2-40B4-BE49-F238E27FC236}">
-                <a16:creationId xmlns="" xmlns:a16="http://schemas.microsoft.com/office/drawing/2014/main" id="{440AE397-4916-4CFE-9463-2B4F1186D334}"/>
+                <a16:creationId xmlns:a16="http://schemas.microsoft.com/office/drawing/2014/main" xmlns="" id="{440AE397-4916-4CFE-9463-2B4F1186D334}"/>
               </a:ext>
             </a:extLst>
           </p:cNvPr>
@@ -3595,7 +3595,7 @@
           <p:cNvPr id="5" name="Picture 4">
             <a:extLst>
               <a:ext uri="{FF2B5EF4-FFF2-40B4-BE49-F238E27FC236}">
-                <a16:creationId xmlns="" xmlns:a16="http://schemas.microsoft.com/office/drawing/2014/main" id="{4A8BDF83-BAC0-48B1-8675-FC7376E27BCC}"/>
+                <a16:creationId xmlns:a16="http://schemas.microsoft.com/office/drawing/2014/main" xmlns="" id="{4A8BDF83-BAC0-48B1-8675-FC7376E27BCC}"/>
               </a:ext>
             </a:extLst>
           </p:cNvPr>
@@ -3642,7 +3642,7 @@
           <p:cNvPr id="7" name="Picture 2">
             <a:extLst>
               <a:ext uri="{FF2B5EF4-FFF2-40B4-BE49-F238E27FC236}">
-                <a16:creationId xmlns="" xmlns:a16="http://schemas.microsoft.com/office/drawing/2014/main" id="{777BC8B2-00BC-4EB0-9D05-54A41B77B1F5}"/>
+                <a16:creationId xmlns:a16="http://schemas.microsoft.com/office/drawing/2014/main" xmlns="" id="{777BC8B2-00BC-4EB0-9D05-54A41B77B1F5}"/>
               </a:ext>
             </a:extLst>
           </p:cNvPr>
@@ -3689,7 +3689,7 @@
           <p:cNvPr id="9" name="Picture 4" descr="비공식 자바스크립트 로고 2">
             <a:extLst>
               <a:ext uri="{FF2B5EF4-FFF2-40B4-BE49-F238E27FC236}">
-                <a16:creationId xmlns="" xmlns:a16="http://schemas.microsoft.com/office/drawing/2014/main" id="{80CEA20C-A6CC-4F11-99DF-C823A24600A9}"/>
+                <a16:creationId xmlns:a16="http://schemas.microsoft.com/office/drawing/2014/main" xmlns="" id="{80CEA20C-A6CC-4F11-99DF-C823A24600A9}"/>
               </a:ext>
             </a:extLst>
           </p:cNvPr>
@@ -3736,7 +3736,7 @@
           <p:cNvPr id="11" name="그림 10">
             <a:extLst>
               <a:ext uri="{FF2B5EF4-FFF2-40B4-BE49-F238E27FC236}">
-                <a16:creationId xmlns="" xmlns:a16="http://schemas.microsoft.com/office/drawing/2014/main" id="{3C77096E-704A-4A2D-846E-C8F8D2D7D2A4}"/>
+                <a16:creationId xmlns:a16="http://schemas.microsoft.com/office/drawing/2014/main" xmlns="" id="{3C77096E-704A-4A2D-846E-C8F8D2D7D2A4}"/>
               </a:ext>
             </a:extLst>
           </p:cNvPr>
@@ -3804,7 +3804,7 @@
           <p:cNvPr id="8" name="TextBox 7">
             <a:extLst>
               <a:ext uri="{FF2B5EF4-FFF2-40B4-BE49-F238E27FC236}">
-                <a16:creationId xmlns="" xmlns:a16="http://schemas.microsoft.com/office/drawing/2014/main" id="{351F780C-4680-4C7D-868D-1B6A9DA00B13}"/>
+                <a16:creationId xmlns:a16="http://schemas.microsoft.com/office/drawing/2014/main" xmlns="" id="{351F780C-4680-4C7D-868D-1B6A9DA00B13}"/>
               </a:ext>
             </a:extLst>
           </p:cNvPr>
@@ -3891,7 +3891,7 @@
           <p:cNvPr id="10" name="TextBox 9">
             <a:extLst>
               <a:ext uri="{FF2B5EF4-FFF2-40B4-BE49-F238E27FC236}">
-                <a16:creationId xmlns="" xmlns:a16="http://schemas.microsoft.com/office/drawing/2014/main" id="{2C8970D1-2123-4299-92C0-214B44943EE8}"/>
+                <a16:creationId xmlns:a16="http://schemas.microsoft.com/office/drawing/2014/main" xmlns="" id="{2C8970D1-2123-4299-92C0-214B44943EE8}"/>
               </a:ext>
             </a:extLst>
           </p:cNvPr>
@@ -4514,7 +4514,7 @@
           <p:cNvPr id="11" name="직사각형 10">
             <a:extLst>
               <a:ext uri="{FF2B5EF4-FFF2-40B4-BE49-F238E27FC236}">
-                <a16:creationId xmlns="" xmlns:a16="http://schemas.microsoft.com/office/drawing/2014/main" id="{FEDE409B-423E-4516-ADC9-5A3391D98417}"/>
+                <a16:creationId xmlns:a16="http://schemas.microsoft.com/office/drawing/2014/main" xmlns="" id="{FEDE409B-423E-4516-ADC9-5A3391D98417}"/>
               </a:ext>
             </a:extLst>
           </p:cNvPr>
@@ -4570,7 +4570,7 @@
           <p:cNvPr id="2" name="TextBox 1">
             <a:extLst>
               <a:ext uri="{FF2B5EF4-FFF2-40B4-BE49-F238E27FC236}">
-                <a16:creationId xmlns="" xmlns:a16="http://schemas.microsoft.com/office/drawing/2014/main" id="{565C7E9F-8E6B-44C1-BE58-13CA3A1E003B}"/>
+                <a16:creationId xmlns:a16="http://schemas.microsoft.com/office/drawing/2014/main" xmlns="" id="{565C7E9F-8E6B-44C1-BE58-13CA3A1E003B}"/>
               </a:ext>
             </a:extLst>
           </p:cNvPr>
@@ -4638,13 +4638,7 @@
               <a:rPr lang="en-US" altLang="ko-KR" sz="1600" dirty="0" smtClean="0">
                 <a:latin typeface="+mn-ea"/>
               </a:rPr>
-              <a:t>(o</a:t>
-            </a:r>
-            <a:r>
-              <a:rPr lang="en-US" altLang="ko-KR" sz="1600" dirty="0" smtClean="0">
-                <a:latin typeface="+mn-ea"/>
-              </a:rPr>
-              <a:t>r </a:t>
+              <a:t>(or </a:t>
             </a:r>
             <a:r>
               <a:rPr lang="ko-KR" altLang="en-US" sz="1600" dirty="0" smtClean="0">
@@ -4823,7 +4817,7 @@
           <p:cNvPr id="8" name="TextBox 7">
             <a:extLst>
               <a:ext uri="{FF2B5EF4-FFF2-40B4-BE49-F238E27FC236}">
-                <a16:creationId xmlns="" xmlns:a16="http://schemas.microsoft.com/office/drawing/2014/main" id="{351F780C-4680-4C7D-868D-1B6A9DA00B13}"/>
+                <a16:creationId xmlns:a16="http://schemas.microsoft.com/office/drawing/2014/main" xmlns="" id="{351F780C-4680-4C7D-868D-1B6A9DA00B13}"/>
               </a:ext>
             </a:extLst>
           </p:cNvPr>
@@ -4880,7 +4874,7 @@
           <p:cNvPr id="10" name="TextBox 9">
             <a:extLst>
               <a:ext uri="{FF2B5EF4-FFF2-40B4-BE49-F238E27FC236}">
-                <a16:creationId xmlns="" xmlns:a16="http://schemas.microsoft.com/office/drawing/2014/main" id="{2C8970D1-2123-4299-92C0-214B44943EE8}"/>
+                <a16:creationId xmlns:a16="http://schemas.microsoft.com/office/drawing/2014/main" xmlns="" id="{2C8970D1-2123-4299-92C0-214B44943EE8}"/>
               </a:ext>
             </a:extLst>
           </p:cNvPr>
@@ -4890,7 +4884,7 @@
         <p:spPr>
           <a:xfrm>
             <a:off x="376335" y="1077942"/>
-            <a:ext cx="11439332" cy="1077218"/>
+            <a:ext cx="11439332" cy="1569660"/>
           </a:xfrm>
           <a:prstGeom prst="rect">
             <a:avLst/>
@@ -4903,6 +4897,47 @@
           </a:bodyPr>
           <a:lstStyle/>
           <a:p>
+            <a:pPr marL="342900" indent="-342900">
+              <a:buAutoNum type="arabicPeriod"/>
+            </a:pPr>
+            <a:r>
+              <a:rPr lang="ko-KR" altLang="en-US" sz="1600" dirty="0" smtClean="0">
+                <a:solidFill>
+                  <a:schemeClr val="tx1">
+                    <a:lumMod val="85000"/>
+                    <a:lumOff val="15000"/>
+                  </a:schemeClr>
+                </a:solidFill>
+                <a:latin typeface="+mn-ea"/>
+              </a:rPr>
+              <a:t>개발한 </a:t>
+            </a:r>
+            <a:r>
+              <a:rPr lang="ko-KR" altLang="en-US" sz="1600" dirty="0">
+                <a:solidFill>
+                  <a:schemeClr val="tx1">
+                    <a:lumMod val="85000"/>
+                    <a:lumOff val="15000"/>
+                  </a:schemeClr>
+                </a:solidFill>
+                <a:latin typeface="+mn-ea"/>
+              </a:rPr>
+              <a:t>웹 애플리케이션의 이름은</a:t>
+            </a:r>
+            <a:r>
+              <a:rPr lang="en-US" altLang="ko-KR" sz="1600" dirty="0" smtClean="0">
+                <a:solidFill>
+                  <a:schemeClr val="tx1">
+                    <a:lumMod val="85000"/>
+                    <a:lumOff val="15000"/>
+                  </a:schemeClr>
+                </a:solidFill>
+                <a:latin typeface="+mn-ea"/>
+              </a:rPr>
+              <a:t>?</a:t>
+            </a:r>
+          </a:p>
+          <a:p>
             <a:r>
               <a:rPr lang="en-US" altLang="ko-KR" sz="1600" dirty="0">
                 <a:solidFill>
@@ -4913,31 +4948,7 @@
                 </a:solidFill>
                 <a:latin typeface="+mn-ea"/>
               </a:rPr>
-              <a:t>1. </a:t>
-            </a:r>
-            <a:r>
-              <a:rPr lang="ko-KR" altLang="en-US" sz="1600" dirty="0">
-                <a:solidFill>
-                  <a:schemeClr val="tx1">
-                    <a:lumMod val="85000"/>
-                    <a:lumOff val="15000"/>
-                  </a:schemeClr>
-                </a:solidFill>
-                <a:latin typeface="+mn-ea"/>
-              </a:rPr>
-              <a:t>개발한 웹 애플리케이션의 이름은</a:t>
-            </a:r>
-            <a:r>
-              <a:rPr lang="en-US" altLang="ko-KR" sz="1600" dirty="0">
-                <a:solidFill>
-                  <a:schemeClr val="tx1">
-                    <a:lumMod val="85000"/>
-                    <a:lumOff val="15000"/>
-                  </a:schemeClr>
-                </a:solidFill>
-                <a:latin typeface="+mn-ea"/>
-              </a:rPr>
-              <a:t>?</a:t>
+              <a:t/>
             </a:r>
             <a:br>
               <a:rPr lang="en-US" altLang="ko-KR" sz="1600" dirty="0">
@@ -4960,6 +4971,54 @@
                 </a:solidFill>
                 <a:latin typeface="+mn-ea"/>
               </a:rPr>
+              <a:t> </a:t>
+            </a:r>
+            <a:r>
+              <a:rPr lang="en-US" altLang="ko-KR" sz="1600" dirty="0" smtClean="0">
+                <a:solidFill>
+                  <a:schemeClr val="tx1">
+                    <a:lumMod val="85000"/>
+                    <a:lumOff val="15000"/>
+                  </a:schemeClr>
+                </a:solidFill>
+                <a:latin typeface="+mn-ea"/>
+              </a:rPr>
+              <a:t>  </a:t>
+            </a:r>
+            <a:r>
+              <a:rPr lang="ko-KR" altLang="en-US" sz="1600" dirty="0" smtClean="0">
+                <a:solidFill>
+                  <a:schemeClr val="tx1">
+                    <a:lumMod val="85000"/>
+                    <a:lumOff val="15000"/>
+                  </a:schemeClr>
+                </a:solidFill>
+                <a:latin typeface="+mn-ea"/>
+              </a:rPr>
+              <a:t>물건 </a:t>
+            </a:r>
+            <a:r>
+              <a:rPr lang="ko-KR" altLang="en-US" sz="1600" dirty="0" err="1" smtClean="0">
+                <a:solidFill>
+                  <a:schemeClr val="tx1">
+                    <a:lumMod val="85000"/>
+                    <a:lumOff val="15000"/>
+                  </a:schemeClr>
+                </a:solidFill>
+                <a:latin typeface="+mn-ea"/>
+              </a:rPr>
+              <a:t>판별기</a:t>
+            </a:r>
+            <a:r>
+              <a:rPr lang="en-US" altLang="ko-KR" sz="1600" dirty="0">
+                <a:solidFill>
+                  <a:schemeClr val="tx1">
+                    <a:lumMod val="85000"/>
+                    <a:lumOff val="15000"/>
+                  </a:schemeClr>
+                </a:solidFill>
+                <a:latin typeface="+mn-ea"/>
+              </a:rPr>
               <a:t/>
             </a:r>
             <a:br>
@@ -5021,7 +5080,153 @@
               <a:t>생성한 모델에 대해서 설명하세요</a:t>
             </a:r>
             <a:r>
+              <a:rPr lang="en-US" altLang="ko-KR" sz="1600" dirty="0" smtClean="0">
+                <a:solidFill>
+                  <a:schemeClr val="tx1">
+                    <a:lumMod val="85000"/>
+                    <a:lumOff val="15000"/>
+                  </a:schemeClr>
+                </a:solidFill>
+                <a:latin typeface="+mn-ea"/>
+              </a:rPr>
+              <a:t>.</a:t>
+            </a:r>
+          </a:p>
+          <a:p>
+            <a:r>
               <a:rPr lang="en-US" altLang="ko-KR" sz="1600" dirty="0">
+                <a:solidFill>
+                  <a:schemeClr val="tx1">
+                    <a:lumMod val="85000"/>
+                    <a:lumOff val="15000"/>
+                  </a:schemeClr>
+                </a:solidFill>
+                <a:latin typeface="+mn-ea"/>
+              </a:rPr>
+              <a:t> </a:t>
+            </a:r>
+            <a:r>
+              <a:rPr lang="en-US" altLang="ko-KR" sz="1600" dirty="0" smtClean="0">
+                <a:solidFill>
+                  <a:schemeClr val="tx1">
+                    <a:lumMod val="85000"/>
+                    <a:lumOff val="15000"/>
+                  </a:schemeClr>
+                </a:solidFill>
+                <a:latin typeface="+mn-ea"/>
+              </a:rPr>
+              <a:t>   </a:t>
+            </a:r>
+            <a:r>
+              <a:rPr lang="ko-KR" altLang="en-US" sz="1600" dirty="0" smtClean="0">
+                <a:solidFill>
+                  <a:schemeClr val="tx1">
+                    <a:lumMod val="85000"/>
+                    <a:lumOff val="15000"/>
+                  </a:schemeClr>
+                </a:solidFill>
+                <a:latin typeface="+mn-ea"/>
+              </a:rPr>
+              <a:t>각종 물건</a:t>
+            </a:r>
+            <a:r>
+              <a:rPr lang="en-US" altLang="ko-KR" sz="1600" dirty="0" smtClean="0">
+                <a:solidFill>
+                  <a:schemeClr val="tx1">
+                    <a:lumMod val="85000"/>
+                    <a:lumOff val="15000"/>
+                  </a:schemeClr>
+                </a:solidFill>
+                <a:latin typeface="+mn-ea"/>
+              </a:rPr>
+              <a:t>(</a:t>
+            </a:r>
+            <a:r>
+              <a:rPr lang="ko-KR" altLang="en-US" sz="1600" dirty="0" smtClean="0">
+                <a:solidFill>
+                  <a:schemeClr val="tx1">
+                    <a:lumMod val="85000"/>
+                    <a:lumOff val="15000"/>
+                  </a:schemeClr>
+                </a:solidFill>
+                <a:latin typeface="+mn-ea"/>
+              </a:rPr>
+              <a:t>보조배터리</a:t>
+            </a:r>
+            <a:r>
+              <a:rPr lang="en-US" altLang="ko-KR" sz="1600" dirty="0" smtClean="0">
+                <a:solidFill>
+                  <a:schemeClr val="tx1">
+                    <a:lumMod val="85000"/>
+                    <a:lumOff val="15000"/>
+                  </a:schemeClr>
+                </a:solidFill>
+                <a:latin typeface="+mn-ea"/>
+              </a:rPr>
+              <a:t>,</a:t>
+            </a:r>
+            <a:r>
+              <a:rPr lang="ko-KR" altLang="en-US" sz="1600" dirty="0" smtClean="0">
+                <a:solidFill>
+                  <a:schemeClr val="tx1">
+                    <a:lumMod val="85000"/>
+                    <a:lumOff val="15000"/>
+                  </a:schemeClr>
+                </a:solidFill>
+                <a:latin typeface="+mn-ea"/>
+              </a:rPr>
+              <a:t>탭</a:t>
+            </a:r>
+            <a:r>
+              <a:rPr lang="en-US" altLang="ko-KR" sz="1600" dirty="0" smtClean="0">
+                <a:solidFill>
+                  <a:schemeClr val="tx1">
+                    <a:lumMod val="85000"/>
+                    <a:lumOff val="15000"/>
+                  </a:schemeClr>
+                </a:solidFill>
+                <a:latin typeface="+mn-ea"/>
+              </a:rPr>
+              <a:t>)</a:t>
+            </a:r>
+            <a:r>
+              <a:rPr lang="ko-KR" altLang="en-US" sz="1600" dirty="0" smtClean="0">
+                <a:solidFill>
+                  <a:schemeClr val="tx1">
+                    <a:lumMod val="85000"/>
+                    <a:lumOff val="15000"/>
+                  </a:schemeClr>
+                </a:solidFill>
+                <a:latin typeface="+mn-ea"/>
+              </a:rPr>
+              <a:t>들과 배경</a:t>
+            </a:r>
+            <a:r>
+              <a:rPr lang="en-US" altLang="ko-KR" sz="1600" dirty="0" smtClean="0">
+                <a:solidFill>
+                  <a:schemeClr val="tx1">
+                    <a:lumMod val="85000"/>
+                    <a:lumOff val="15000"/>
+                  </a:schemeClr>
+                </a:solidFill>
+                <a:latin typeface="+mn-ea"/>
+              </a:rPr>
+              <a:t>,</a:t>
+            </a:r>
+            <a:r>
+              <a:rPr lang="ko-KR" altLang="en-US" sz="1600" dirty="0" smtClean="0">
+                <a:solidFill>
+                  <a:schemeClr val="tx1">
+                    <a:lumMod val="85000"/>
+                    <a:lumOff val="15000"/>
+                  </a:schemeClr>
+                </a:solidFill>
+                <a:latin typeface="+mn-ea"/>
+              </a:rPr>
+              <a:t>본인을 판단해준다</a:t>
+            </a:r>
+            <a:r>
+              <a:rPr lang="en-US" altLang="ko-KR" sz="1600" dirty="0" smtClean="0">
                 <a:solidFill>
                   <a:schemeClr val="tx1">
                     <a:lumMod val="85000"/>
@@ -5049,7 +5254,7 @@
           <p:cNvPr id="17" name="TextBox 16">
             <a:extLst>
               <a:ext uri="{FF2B5EF4-FFF2-40B4-BE49-F238E27FC236}">
-                <a16:creationId xmlns="" xmlns:a16="http://schemas.microsoft.com/office/drawing/2014/main" id="{94F157CB-72CA-4A34-ACFB-7E8E970A4694}"/>
+                <a16:creationId xmlns:a16="http://schemas.microsoft.com/office/drawing/2014/main" xmlns="" id="{94F157CB-72CA-4A34-ACFB-7E8E970A4694}"/>
               </a:ext>
             </a:extLst>
           </p:cNvPr>
@@ -5132,7 +5337,7 @@
           <p:cNvPr id="19" name="TextBox 18">
             <a:extLst>
               <a:ext uri="{FF2B5EF4-FFF2-40B4-BE49-F238E27FC236}">
-                <a16:creationId xmlns="" xmlns:a16="http://schemas.microsoft.com/office/drawing/2014/main" id="{FD14AB26-3BEA-479A-BAB4-816E4E65DE8F}"/>
+                <a16:creationId xmlns:a16="http://schemas.microsoft.com/office/drawing/2014/main" xmlns="" id="{FD14AB26-3BEA-479A-BAB4-816E4E65DE8F}"/>
               </a:ext>
             </a:extLst>
           </p:cNvPr>
@@ -5196,7 +5401,7 @@
           <p:cNvPr id="21" name="TextBox 20">
             <a:extLst>
               <a:ext uri="{FF2B5EF4-FFF2-40B4-BE49-F238E27FC236}">
-                <a16:creationId xmlns="" xmlns:a16="http://schemas.microsoft.com/office/drawing/2014/main" id="{F269DC2A-6D73-4A1B-B65D-43407683EC46}"/>
+                <a16:creationId xmlns:a16="http://schemas.microsoft.com/office/drawing/2014/main" xmlns="" id="{F269DC2A-6D73-4A1B-B65D-43407683EC46}"/>
               </a:ext>
             </a:extLst>
           </p:cNvPr>
@@ -5557,7 +5762,7 @@
   <a:extraClrSchemeLst/>
   <a:extLst>
     <a:ext uri="{05A4C25C-085E-4340-85A3-A5531E510DB2}">
-      <thm15:themeFamily xmlns="" xmlns:thm15="http://schemas.microsoft.com/office/thememl/2012/main" name="Office Theme" id="{62F939B6-93AF-4DB8-9C6B-D6C7DFDC589F}" vid="{4A3C46E8-61CC-4603-A589-7422A47A8E4A}"/>
+      <thm15:themeFamily xmlns:thm15="http://schemas.microsoft.com/office/thememl/2012/main" xmlns="" name="Office Theme" id="{62F939B6-93AF-4DB8-9C6B-D6C7DFDC589F}" vid="{4A3C46E8-61CC-4603-A589-7422A47A8E4A}"/>
     </a:ext>
   </a:extLst>
 </a:theme>

--- a/Report.pptx
+++ b/Report.pptx
@@ -108,7 +108,7 @@
   </p:defaultTextStyle>
   <p:extLst>
     <p:ext uri="{EFAFB233-063F-42B5-8137-9DF3F51BA10A}">
-      <p15:sldGuideLst xmlns:p15="http://schemas.microsoft.com/office/powerpoint/2012/main" xmlns=""/>
+      <p15:sldGuideLst xmlns="" xmlns:p15="http://schemas.microsoft.com/office/powerpoint/2012/main"/>
     </p:ext>
   </p:extLst>
 </p:presentation>
@@ -136,7 +136,7 @@
           <p:cNvPr id="2" name="제목 1">
             <a:extLst>
               <a:ext uri="{FF2B5EF4-FFF2-40B4-BE49-F238E27FC236}">
-                <a16:creationId xmlns:a16="http://schemas.microsoft.com/office/drawing/2014/main" xmlns="" id="{DFF2C538-D806-482C-A2DB-B6D71CAEFF10}"/>
+                <a16:creationId xmlns="" xmlns:a16="http://schemas.microsoft.com/office/drawing/2014/main" id="{DFF2C538-D806-482C-A2DB-B6D71CAEFF10}"/>
               </a:ext>
             </a:extLst>
           </p:cNvPr>
@@ -173,7 +173,7 @@
           <p:cNvPr id="3" name="부제목 2">
             <a:extLst>
               <a:ext uri="{FF2B5EF4-FFF2-40B4-BE49-F238E27FC236}">
-                <a16:creationId xmlns:a16="http://schemas.microsoft.com/office/drawing/2014/main" xmlns="" id="{EDDD2879-CD7B-4233-9A6A-172FFF343EAC}"/>
+                <a16:creationId xmlns="" xmlns:a16="http://schemas.microsoft.com/office/drawing/2014/main" id="{EDDD2879-CD7B-4233-9A6A-172FFF343EAC}"/>
               </a:ext>
             </a:extLst>
           </p:cNvPr>
@@ -243,7 +243,7 @@
           <p:cNvPr id="4" name="날짜 개체 틀 3">
             <a:extLst>
               <a:ext uri="{FF2B5EF4-FFF2-40B4-BE49-F238E27FC236}">
-                <a16:creationId xmlns:a16="http://schemas.microsoft.com/office/drawing/2014/main" xmlns="" id="{91828984-E658-4BB8-8874-BD8317ABCF37}"/>
+                <a16:creationId xmlns="" xmlns:a16="http://schemas.microsoft.com/office/drawing/2014/main" id="{91828984-E658-4BB8-8874-BD8317ABCF37}"/>
               </a:ext>
             </a:extLst>
           </p:cNvPr>
@@ -272,7 +272,7 @@
           <p:cNvPr id="5" name="바닥글 개체 틀 4">
             <a:extLst>
               <a:ext uri="{FF2B5EF4-FFF2-40B4-BE49-F238E27FC236}">
-                <a16:creationId xmlns:a16="http://schemas.microsoft.com/office/drawing/2014/main" xmlns="" id="{80DBA16E-4FB5-4E05-82C8-EC468F2F1C88}"/>
+                <a16:creationId xmlns="" xmlns:a16="http://schemas.microsoft.com/office/drawing/2014/main" id="{80DBA16E-4FB5-4E05-82C8-EC468F2F1C88}"/>
               </a:ext>
             </a:extLst>
           </p:cNvPr>
@@ -297,7 +297,7 @@
           <p:cNvPr id="6" name="슬라이드 번호 개체 틀 5">
             <a:extLst>
               <a:ext uri="{FF2B5EF4-FFF2-40B4-BE49-F238E27FC236}">
-                <a16:creationId xmlns:a16="http://schemas.microsoft.com/office/drawing/2014/main" xmlns="" id="{7146A1BC-E5B2-40C7-AC5F-51DAF5749BC7}"/>
+                <a16:creationId xmlns="" xmlns:a16="http://schemas.microsoft.com/office/drawing/2014/main" id="{7146A1BC-E5B2-40C7-AC5F-51DAF5749BC7}"/>
               </a:ext>
             </a:extLst>
           </p:cNvPr>
@@ -356,7 +356,7 @@
           <p:cNvPr id="2" name="제목 1">
             <a:extLst>
               <a:ext uri="{FF2B5EF4-FFF2-40B4-BE49-F238E27FC236}">
-                <a16:creationId xmlns:a16="http://schemas.microsoft.com/office/drawing/2014/main" xmlns="" id="{2C200C31-E912-4EAD-B401-D8CFE142BA3D}"/>
+                <a16:creationId xmlns="" xmlns:a16="http://schemas.microsoft.com/office/drawing/2014/main" id="{2C200C31-E912-4EAD-B401-D8CFE142BA3D}"/>
               </a:ext>
             </a:extLst>
           </p:cNvPr>
@@ -384,7 +384,7 @@
           <p:cNvPr id="3" name="세로 텍스트 개체 틀 2">
             <a:extLst>
               <a:ext uri="{FF2B5EF4-FFF2-40B4-BE49-F238E27FC236}">
-                <a16:creationId xmlns:a16="http://schemas.microsoft.com/office/drawing/2014/main" xmlns="" id="{F74BD3C7-1BB9-49E9-B8EF-5B539DF08FA6}"/>
+                <a16:creationId xmlns="" xmlns:a16="http://schemas.microsoft.com/office/drawing/2014/main" id="{F74BD3C7-1BB9-49E9-B8EF-5B539DF08FA6}"/>
               </a:ext>
             </a:extLst>
           </p:cNvPr>
@@ -441,7 +441,7 @@
           <p:cNvPr id="4" name="날짜 개체 틀 3">
             <a:extLst>
               <a:ext uri="{FF2B5EF4-FFF2-40B4-BE49-F238E27FC236}">
-                <a16:creationId xmlns:a16="http://schemas.microsoft.com/office/drawing/2014/main" xmlns="" id="{290F2357-D9AA-433F-8F81-5C993592B425}"/>
+                <a16:creationId xmlns="" xmlns:a16="http://schemas.microsoft.com/office/drawing/2014/main" id="{290F2357-D9AA-433F-8F81-5C993592B425}"/>
               </a:ext>
             </a:extLst>
           </p:cNvPr>
@@ -470,7 +470,7 @@
           <p:cNvPr id="5" name="바닥글 개체 틀 4">
             <a:extLst>
               <a:ext uri="{FF2B5EF4-FFF2-40B4-BE49-F238E27FC236}">
-                <a16:creationId xmlns:a16="http://schemas.microsoft.com/office/drawing/2014/main" xmlns="" id="{628E1FB3-38AC-435D-B8A4-CF7D7CE8B797}"/>
+                <a16:creationId xmlns="" xmlns:a16="http://schemas.microsoft.com/office/drawing/2014/main" id="{628E1FB3-38AC-435D-B8A4-CF7D7CE8B797}"/>
               </a:ext>
             </a:extLst>
           </p:cNvPr>
@@ -495,7 +495,7 @@
           <p:cNvPr id="6" name="슬라이드 번호 개체 틀 5">
             <a:extLst>
               <a:ext uri="{FF2B5EF4-FFF2-40B4-BE49-F238E27FC236}">
-                <a16:creationId xmlns:a16="http://schemas.microsoft.com/office/drawing/2014/main" xmlns="" id="{97C244B1-A69D-4B5A-AD69-F18927F28661}"/>
+                <a16:creationId xmlns="" xmlns:a16="http://schemas.microsoft.com/office/drawing/2014/main" id="{97C244B1-A69D-4B5A-AD69-F18927F28661}"/>
               </a:ext>
             </a:extLst>
           </p:cNvPr>
@@ -554,7 +554,7 @@
           <p:cNvPr id="2" name="세로 제목 1">
             <a:extLst>
               <a:ext uri="{FF2B5EF4-FFF2-40B4-BE49-F238E27FC236}">
-                <a16:creationId xmlns:a16="http://schemas.microsoft.com/office/drawing/2014/main" xmlns="" id="{1D8A94B6-2162-4F60-9BBC-C21E6B88CC6A}"/>
+                <a16:creationId xmlns="" xmlns:a16="http://schemas.microsoft.com/office/drawing/2014/main" id="{1D8A94B6-2162-4F60-9BBC-C21E6B88CC6A}"/>
               </a:ext>
             </a:extLst>
           </p:cNvPr>
@@ -587,7 +587,7 @@
           <p:cNvPr id="3" name="세로 텍스트 개체 틀 2">
             <a:extLst>
               <a:ext uri="{FF2B5EF4-FFF2-40B4-BE49-F238E27FC236}">
-                <a16:creationId xmlns:a16="http://schemas.microsoft.com/office/drawing/2014/main" xmlns="" id="{327F81E0-B579-4AFC-8D26-0B0AA2EB793A}"/>
+                <a16:creationId xmlns="" xmlns:a16="http://schemas.microsoft.com/office/drawing/2014/main" id="{327F81E0-B579-4AFC-8D26-0B0AA2EB793A}"/>
               </a:ext>
             </a:extLst>
           </p:cNvPr>
@@ -649,7 +649,7 @@
           <p:cNvPr id="4" name="날짜 개체 틀 3">
             <a:extLst>
               <a:ext uri="{FF2B5EF4-FFF2-40B4-BE49-F238E27FC236}">
-                <a16:creationId xmlns:a16="http://schemas.microsoft.com/office/drawing/2014/main" xmlns="" id="{8012CA42-9A2D-42DA-833F-F6B0F0FEA294}"/>
+                <a16:creationId xmlns="" xmlns:a16="http://schemas.microsoft.com/office/drawing/2014/main" id="{8012CA42-9A2D-42DA-833F-F6B0F0FEA294}"/>
               </a:ext>
             </a:extLst>
           </p:cNvPr>
@@ -678,7 +678,7 @@
           <p:cNvPr id="5" name="바닥글 개체 틀 4">
             <a:extLst>
               <a:ext uri="{FF2B5EF4-FFF2-40B4-BE49-F238E27FC236}">
-                <a16:creationId xmlns:a16="http://schemas.microsoft.com/office/drawing/2014/main" xmlns="" id="{87C48F76-9144-47A0-B39B-43D67D773EFA}"/>
+                <a16:creationId xmlns="" xmlns:a16="http://schemas.microsoft.com/office/drawing/2014/main" id="{87C48F76-9144-47A0-B39B-43D67D773EFA}"/>
               </a:ext>
             </a:extLst>
           </p:cNvPr>
@@ -703,7 +703,7 @@
           <p:cNvPr id="6" name="슬라이드 번호 개체 틀 5">
             <a:extLst>
               <a:ext uri="{FF2B5EF4-FFF2-40B4-BE49-F238E27FC236}">
-                <a16:creationId xmlns:a16="http://schemas.microsoft.com/office/drawing/2014/main" xmlns="" id="{BD03FE9D-CDED-45AE-BB6B-8642BA36B85C}"/>
+                <a16:creationId xmlns="" xmlns:a16="http://schemas.microsoft.com/office/drawing/2014/main" id="{BD03FE9D-CDED-45AE-BB6B-8642BA36B85C}"/>
               </a:ext>
             </a:extLst>
           </p:cNvPr>
@@ -762,7 +762,7 @@
           <p:cNvPr id="2" name="제목 1">
             <a:extLst>
               <a:ext uri="{FF2B5EF4-FFF2-40B4-BE49-F238E27FC236}">
-                <a16:creationId xmlns:a16="http://schemas.microsoft.com/office/drawing/2014/main" xmlns="" id="{6FE76F51-D8DE-4B32-A5BD-F2E09A7A0405}"/>
+                <a16:creationId xmlns="" xmlns:a16="http://schemas.microsoft.com/office/drawing/2014/main" id="{6FE76F51-D8DE-4B32-A5BD-F2E09A7A0405}"/>
               </a:ext>
             </a:extLst>
           </p:cNvPr>
@@ -790,7 +790,7 @@
           <p:cNvPr id="3" name="내용 개체 틀 2">
             <a:extLst>
               <a:ext uri="{FF2B5EF4-FFF2-40B4-BE49-F238E27FC236}">
-                <a16:creationId xmlns:a16="http://schemas.microsoft.com/office/drawing/2014/main" xmlns="" id="{C152F7D0-83C5-4FE7-B256-A7EDE9715DA3}"/>
+                <a16:creationId xmlns="" xmlns:a16="http://schemas.microsoft.com/office/drawing/2014/main" id="{C152F7D0-83C5-4FE7-B256-A7EDE9715DA3}"/>
               </a:ext>
             </a:extLst>
           </p:cNvPr>
@@ -847,7 +847,7 @@
           <p:cNvPr id="4" name="날짜 개체 틀 3">
             <a:extLst>
               <a:ext uri="{FF2B5EF4-FFF2-40B4-BE49-F238E27FC236}">
-                <a16:creationId xmlns:a16="http://schemas.microsoft.com/office/drawing/2014/main" xmlns="" id="{74714CD9-A810-44F2-BF9D-81583CA9964C}"/>
+                <a16:creationId xmlns="" xmlns:a16="http://schemas.microsoft.com/office/drawing/2014/main" id="{74714CD9-A810-44F2-BF9D-81583CA9964C}"/>
               </a:ext>
             </a:extLst>
           </p:cNvPr>
@@ -876,7 +876,7 @@
           <p:cNvPr id="5" name="바닥글 개체 틀 4">
             <a:extLst>
               <a:ext uri="{FF2B5EF4-FFF2-40B4-BE49-F238E27FC236}">
-                <a16:creationId xmlns:a16="http://schemas.microsoft.com/office/drawing/2014/main" xmlns="" id="{7A73E13C-F272-445A-B2F4-F3536E3CD9DB}"/>
+                <a16:creationId xmlns="" xmlns:a16="http://schemas.microsoft.com/office/drawing/2014/main" id="{7A73E13C-F272-445A-B2F4-F3536E3CD9DB}"/>
               </a:ext>
             </a:extLst>
           </p:cNvPr>
@@ -901,7 +901,7 @@
           <p:cNvPr id="6" name="슬라이드 번호 개체 틀 5">
             <a:extLst>
               <a:ext uri="{FF2B5EF4-FFF2-40B4-BE49-F238E27FC236}">
-                <a16:creationId xmlns:a16="http://schemas.microsoft.com/office/drawing/2014/main" xmlns="" id="{5FD69B14-5B09-44DB-A25F-B5DDF46BA3BF}"/>
+                <a16:creationId xmlns="" xmlns:a16="http://schemas.microsoft.com/office/drawing/2014/main" id="{5FD69B14-5B09-44DB-A25F-B5DDF46BA3BF}"/>
               </a:ext>
             </a:extLst>
           </p:cNvPr>
@@ -960,7 +960,7 @@
           <p:cNvPr id="2" name="제목 1">
             <a:extLst>
               <a:ext uri="{FF2B5EF4-FFF2-40B4-BE49-F238E27FC236}">
-                <a16:creationId xmlns:a16="http://schemas.microsoft.com/office/drawing/2014/main" xmlns="" id="{64DC5775-F271-47E8-A583-6EFEE63E02E4}"/>
+                <a16:creationId xmlns="" xmlns:a16="http://schemas.microsoft.com/office/drawing/2014/main" id="{64DC5775-F271-47E8-A583-6EFEE63E02E4}"/>
               </a:ext>
             </a:extLst>
           </p:cNvPr>
@@ -997,7 +997,7 @@
           <p:cNvPr id="3" name="텍스트 개체 틀 2">
             <a:extLst>
               <a:ext uri="{FF2B5EF4-FFF2-40B4-BE49-F238E27FC236}">
-                <a16:creationId xmlns:a16="http://schemas.microsoft.com/office/drawing/2014/main" xmlns="" id="{FF409596-D62C-4792-A59C-FE192658696F}"/>
+                <a16:creationId xmlns="" xmlns:a16="http://schemas.microsoft.com/office/drawing/2014/main" id="{FF409596-D62C-4792-A59C-FE192658696F}"/>
               </a:ext>
             </a:extLst>
           </p:cNvPr>
@@ -1122,7 +1122,7 @@
           <p:cNvPr id="4" name="날짜 개체 틀 3">
             <a:extLst>
               <a:ext uri="{FF2B5EF4-FFF2-40B4-BE49-F238E27FC236}">
-                <a16:creationId xmlns:a16="http://schemas.microsoft.com/office/drawing/2014/main" xmlns="" id="{FD0950A4-2E88-4EB9-A44E-680FCB66EB70}"/>
+                <a16:creationId xmlns="" xmlns:a16="http://schemas.microsoft.com/office/drawing/2014/main" id="{FD0950A4-2E88-4EB9-A44E-680FCB66EB70}"/>
               </a:ext>
             </a:extLst>
           </p:cNvPr>
@@ -1151,7 +1151,7 @@
           <p:cNvPr id="5" name="바닥글 개체 틀 4">
             <a:extLst>
               <a:ext uri="{FF2B5EF4-FFF2-40B4-BE49-F238E27FC236}">
-                <a16:creationId xmlns:a16="http://schemas.microsoft.com/office/drawing/2014/main" xmlns="" id="{A0EBD91C-0203-4879-A666-62B1C0F803B8}"/>
+                <a16:creationId xmlns="" xmlns:a16="http://schemas.microsoft.com/office/drawing/2014/main" id="{A0EBD91C-0203-4879-A666-62B1C0F803B8}"/>
               </a:ext>
             </a:extLst>
           </p:cNvPr>
@@ -1176,7 +1176,7 @@
           <p:cNvPr id="6" name="슬라이드 번호 개체 틀 5">
             <a:extLst>
               <a:ext uri="{FF2B5EF4-FFF2-40B4-BE49-F238E27FC236}">
-                <a16:creationId xmlns:a16="http://schemas.microsoft.com/office/drawing/2014/main" xmlns="" id="{9EB3E498-A2A1-483D-8FD4-C4696FC7712C}"/>
+                <a16:creationId xmlns="" xmlns:a16="http://schemas.microsoft.com/office/drawing/2014/main" id="{9EB3E498-A2A1-483D-8FD4-C4696FC7712C}"/>
               </a:ext>
             </a:extLst>
           </p:cNvPr>
@@ -1235,7 +1235,7 @@
           <p:cNvPr id="2" name="제목 1">
             <a:extLst>
               <a:ext uri="{FF2B5EF4-FFF2-40B4-BE49-F238E27FC236}">
-                <a16:creationId xmlns:a16="http://schemas.microsoft.com/office/drawing/2014/main" xmlns="" id="{6B1E1476-701B-4239-8314-F85D481F2F48}"/>
+                <a16:creationId xmlns="" xmlns:a16="http://schemas.microsoft.com/office/drawing/2014/main" id="{6B1E1476-701B-4239-8314-F85D481F2F48}"/>
               </a:ext>
             </a:extLst>
           </p:cNvPr>
@@ -1263,7 +1263,7 @@
           <p:cNvPr id="3" name="내용 개체 틀 2">
             <a:extLst>
               <a:ext uri="{FF2B5EF4-FFF2-40B4-BE49-F238E27FC236}">
-                <a16:creationId xmlns:a16="http://schemas.microsoft.com/office/drawing/2014/main" xmlns="" id="{B074400D-9606-4BC1-82AC-9312A62DCCA3}"/>
+                <a16:creationId xmlns="" xmlns:a16="http://schemas.microsoft.com/office/drawing/2014/main" id="{B074400D-9606-4BC1-82AC-9312A62DCCA3}"/>
               </a:ext>
             </a:extLst>
           </p:cNvPr>
@@ -1325,7 +1325,7 @@
           <p:cNvPr id="4" name="내용 개체 틀 3">
             <a:extLst>
               <a:ext uri="{FF2B5EF4-FFF2-40B4-BE49-F238E27FC236}">
-                <a16:creationId xmlns:a16="http://schemas.microsoft.com/office/drawing/2014/main" xmlns="" id="{D2280C09-E2BD-49DE-959A-3FA14A4DB39B}"/>
+                <a16:creationId xmlns="" xmlns:a16="http://schemas.microsoft.com/office/drawing/2014/main" id="{D2280C09-E2BD-49DE-959A-3FA14A4DB39B}"/>
               </a:ext>
             </a:extLst>
           </p:cNvPr>
@@ -1387,7 +1387,7 @@
           <p:cNvPr id="5" name="날짜 개체 틀 4">
             <a:extLst>
               <a:ext uri="{FF2B5EF4-FFF2-40B4-BE49-F238E27FC236}">
-                <a16:creationId xmlns:a16="http://schemas.microsoft.com/office/drawing/2014/main" xmlns="" id="{E2A0322F-D0C5-4AD5-855E-65F1C46FAF66}"/>
+                <a16:creationId xmlns="" xmlns:a16="http://schemas.microsoft.com/office/drawing/2014/main" id="{E2A0322F-D0C5-4AD5-855E-65F1C46FAF66}"/>
               </a:ext>
             </a:extLst>
           </p:cNvPr>
@@ -1416,7 +1416,7 @@
           <p:cNvPr id="6" name="바닥글 개체 틀 5">
             <a:extLst>
               <a:ext uri="{FF2B5EF4-FFF2-40B4-BE49-F238E27FC236}">
-                <a16:creationId xmlns:a16="http://schemas.microsoft.com/office/drawing/2014/main" xmlns="" id="{4333CE0F-758F-4350-B0C3-2752F545DE39}"/>
+                <a16:creationId xmlns="" xmlns:a16="http://schemas.microsoft.com/office/drawing/2014/main" id="{4333CE0F-758F-4350-B0C3-2752F545DE39}"/>
               </a:ext>
             </a:extLst>
           </p:cNvPr>
@@ -1441,7 +1441,7 @@
           <p:cNvPr id="7" name="슬라이드 번호 개체 틀 6">
             <a:extLst>
               <a:ext uri="{FF2B5EF4-FFF2-40B4-BE49-F238E27FC236}">
-                <a16:creationId xmlns:a16="http://schemas.microsoft.com/office/drawing/2014/main" xmlns="" id="{1330197B-49F4-4331-B4CC-B046B6942BCA}"/>
+                <a16:creationId xmlns="" xmlns:a16="http://schemas.microsoft.com/office/drawing/2014/main" id="{1330197B-49F4-4331-B4CC-B046B6942BCA}"/>
               </a:ext>
             </a:extLst>
           </p:cNvPr>
@@ -1500,7 +1500,7 @@
           <p:cNvPr id="2" name="제목 1">
             <a:extLst>
               <a:ext uri="{FF2B5EF4-FFF2-40B4-BE49-F238E27FC236}">
-                <a16:creationId xmlns:a16="http://schemas.microsoft.com/office/drawing/2014/main" xmlns="" id="{BAA5EA05-E399-4BF1-B6A0-C370ED24506C}"/>
+                <a16:creationId xmlns="" xmlns:a16="http://schemas.microsoft.com/office/drawing/2014/main" id="{BAA5EA05-E399-4BF1-B6A0-C370ED24506C}"/>
               </a:ext>
             </a:extLst>
           </p:cNvPr>
@@ -1533,7 +1533,7 @@
           <p:cNvPr id="3" name="텍스트 개체 틀 2">
             <a:extLst>
               <a:ext uri="{FF2B5EF4-FFF2-40B4-BE49-F238E27FC236}">
-                <a16:creationId xmlns:a16="http://schemas.microsoft.com/office/drawing/2014/main" xmlns="" id="{EF32B97F-0E70-4206-A0F7-BDDD9B53D570}"/>
+                <a16:creationId xmlns="" xmlns:a16="http://schemas.microsoft.com/office/drawing/2014/main" id="{EF32B97F-0E70-4206-A0F7-BDDD9B53D570}"/>
               </a:ext>
             </a:extLst>
           </p:cNvPr>
@@ -1604,7 +1604,7 @@
           <p:cNvPr id="4" name="내용 개체 틀 3">
             <a:extLst>
               <a:ext uri="{FF2B5EF4-FFF2-40B4-BE49-F238E27FC236}">
-                <a16:creationId xmlns:a16="http://schemas.microsoft.com/office/drawing/2014/main" xmlns="" id="{C452530C-A287-42DB-BA1C-E0920CE99E8E}"/>
+                <a16:creationId xmlns="" xmlns:a16="http://schemas.microsoft.com/office/drawing/2014/main" id="{C452530C-A287-42DB-BA1C-E0920CE99E8E}"/>
               </a:ext>
             </a:extLst>
           </p:cNvPr>
@@ -1666,7 +1666,7 @@
           <p:cNvPr id="5" name="텍스트 개체 틀 4">
             <a:extLst>
               <a:ext uri="{FF2B5EF4-FFF2-40B4-BE49-F238E27FC236}">
-                <a16:creationId xmlns:a16="http://schemas.microsoft.com/office/drawing/2014/main" xmlns="" id="{960173B4-2288-4257-9661-42D8AB36187C}"/>
+                <a16:creationId xmlns="" xmlns:a16="http://schemas.microsoft.com/office/drawing/2014/main" id="{960173B4-2288-4257-9661-42D8AB36187C}"/>
               </a:ext>
             </a:extLst>
           </p:cNvPr>
@@ -1737,7 +1737,7 @@
           <p:cNvPr id="6" name="내용 개체 틀 5">
             <a:extLst>
               <a:ext uri="{FF2B5EF4-FFF2-40B4-BE49-F238E27FC236}">
-                <a16:creationId xmlns:a16="http://schemas.microsoft.com/office/drawing/2014/main" xmlns="" id="{9B6B807B-D886-4D69-A526-3F2674009497}"/>
+                <a16:creationId xmlns="" xmlns:a16="http://schemas.microsoft.com/office/drawing/2014/main" id="{9B6B807B-D886-4D69-A526-3F2674009497}"/>
               </a:ext>
             </a:extLst>
           </p:cNvPr>
@@ -1799,7 +1799,7 @@
           <p:cNvPr id="7" name="날짜 개체 틀 6">
             <a:extLst>
               <a:ext uri="{FF2B5EF4-FFF2-40B4-BE49-F238E27FC236}">
-                <a16:creationId xmlns:a16="http://schemas.microsoft.com/office/drawing/2014/main" xmlns="" id="{51AAF532-C9F0-43A5-9252-1A4D15EBB03E}"/>
+                <a16:creationId xmlns="" xmlns:a16="http://schemas.microsoft.com/office/drawing/2014/main" id="{51AAF532-C9F0-43A5-9252-1A4D15EBB03E}"/>
               </a:ext>
             </a:extLst>
           </p:cNvPr>
@@ -1828,7 +1828,7 @@
           <p:cNvPr id="8" name="바닥글 개체 틀 7">
             <a:extLst>
               <a:ext uri="{FF2B5EF4-FFF2-40B4-BE49-F238E27FC236}">
-                <a16:creationId xmlns:a16="http://schemas.microsoft.com/office/drawing/2014/main" xmlns="" id="{4B14C82C-6B8C-4892-AE66-7A42CF2FC787}"/>
+                <a16:creationId xmlns="" xmlns:a16="http://schemas.microsoft.com/office/drawing/2014/main" id="{4B14C82C-6B8C-4892-AE66-7A42CF2FC787}"/>
               </a:ext>
             </a:extLst>
           </p:cNvPr>
@@ -1853,7 +1853,7 @@
           <p:cNvPr id="9" name="슬라이드 번호 개체 틀 8">
             <a:extLst>
               <a:ext uri="{FF2B5EF4-FFF2-40B4-BE49-F238E27FC236}">
-                <a16:creationId xmlns:a16="http://schemas.microsoft.com/office/drawing/2014/main" xmlns="" id="{5151AE03-877C-44AA-A87A-552AAFDEBEC4}"/>
+                <a16:creationId xmlns="" xmlns:a16="http://schemas.microsoft.com/office/drawing/2014/main" id="{5151AE03-877C-44AA-A87A-552AAFDEBEC4}"/>
               </a:ext>
             </a:extLst>
           </p:cNvPr>
@@ -1912,7 +1912,7 @@
           <p:cNvPr id="2" name="제목 1">
             <a:extLst>
               <a:ext uri="{FF2B5EF4-FFF2-40B4-BE49-F238E27FC236}">
-                <a16:creationId xmlns:a16="http://schemas.microsoft.com/office/drawing/2014/main" xmlns="" id="{6226277B-1F94-46BA-8E20-CAEE023C431A}"/>
+                <a16:creationId xmlns="" xmlns:a16="http://schemas.microsoft.com/office/drawing/2014/main" id="{6226277B-1F94-46BA-8E20-CAEE023C431A}"/>
               </a:ext>
             </a:extLst>
           </p:cNvPr>
@@ -1940,7 +1940,7 @@
           <p:cNvPr id="3" name="날짜 개체 틀 2">
             <a:extLst>
               <a:ext uri="{FF2B5EF4-FFF2-40B4-BE49-F238E27FC236}">
-                <a16:creationId xmlns:a16="http://schemas.microsoft.com/office/drawing/2014/main" xmlns="" id="{7180AF50-5637-45EC-A901-1F6C7D6FAC1F}"/>
+                <a16:creationId xmlns="" xmlns:a16="http://schemas.microsoft.com/office/drawing/2014/main" id="{7180AF50-5637-45EC-A901-1F6C7D6FAC1F}"/>
               </a:ext>
             </a:extLst>
           </p:cNvPr>
@@ -1969,7 +1969,7 @@
           <p:cNvPr id="4" name="바닥글 개체 틀 3">
             <a:extLst>
               <a:ext uri="{FF2B5EF4-FFF2-40B4-BE49-F238E27FC236}">
-                <a16:creationId xmlns:a16="http://schemas.microsoft.com/office/drawing/2014/main" xmlns="" id="{631A5651-E0AA-4017-881E-4FDC57EBE4FA}"/>
+                <a16:creationId xmlns="" xmlns:a16="http://schemas.microsoft.com/office/drawing/2014/main" id="{631A5651-E0AA-4017-881E-4FDC57EBE4FA}"/>
               </a:ext>
             </a:extLst>
           </p:cNvPr>
@@ -1994,7 +1994,7 @@
           <p:cNvPr id="5" name="슬라이드 번호 개체 틀 4">
             <a:extLst>
               <a:ext uri="{FF2B5EF4-FFF2-40B4-BE49-F238E27FC236}">
-                <a16:creationId xmlns:a16="http://schemas.microsoft.com/office/drawing/2014/main" xmlns="" id="{6CF1A3E2-E860-4818-9DCC-130453AEC1D3}"/>
+                <a16:creationId xmlns="" xmlns:a16="http://schemas.microsoft.com/office/drawing/2014/main" id="{6CF1A3E2-E860-4818-9DCC-130453AEC1D3}"/>
               </a:ext>
             </a:extLst>
           </p:cNvPr>
@@ -2053,7 +2053,7 @@
           <p:cNvPr id="2" name="날짜 개체 틀 1">
             <a:extLst>
               <a:ext uri="{FF2B5EF4-FFF2-40B4-BE49-F238E27FC236}">
-                <a16:creationId xmlns:a16="http://schemas.microsoft.com/office/drawing/2014/main" xmlns="" id="{F76D7947-58EA-4646-991C-ED5EC9F630CC}"/>
+                <a16:creationId xmlns="" xmlns:a16="http://schemas.microsoft.com/office/drawing/2014/main" id="{F76D7947-58EA-4646-991C-ED5EC9F630CC}"/>
               </a:ext>
             </a:extLst>
           </p:cNvPr>
@@ -2082,7 +2082,7 @@
           <p:cNvPr id="3" name="바닥글 개체 틀 2">
             <a:extLst>
               <a:ext uri="{FF2B5EF4-FFF2-40B4-BE49-F238E27FC236}">
-                <a16:creationId xmlns:a16="http://schemas.microsoft.com/office/drawing/2014/main" xmlns="" id="{0A09DA7D-D7D4-46BC-ABC6-40C6E3055C5F}"/>
+                <a16:creationId xmlns="" xmlns:a16="http://schemas.microsoft.com/office/drawing/2014/main" id="{0A09DA7D-D7D4-46BC-ABC6-40C6E3055C5F}"/>
               </a:ext>
             </a:extLst>
           </p:cNvPr>
@@ -2107,7 +2107,7 @@
           <p:cNvPr id="4" name="슬라이드 번호 개체 틀 3">
             <a:extLst>
               <a:ext uri="{FF2B5EF4-FFF2-40B4-BE49-F238E27FC236}">
-                <a16:creationId xmlns:a16="http://schemas.microsoft.com/office/drawing/2014/main" xmlns="" id="{7811B9EC-FE88-4907-A453-C37E42F61A9E}"/>
+                <a16:creationId xmlns="" xmlns:a16="http://schemas.microsoft.com/office/drawing/2014/main" id="{7811B9EC-FE88-4907-A453-C37E42F61A9E}"/>
               </a:ext>
             </a:extLst>
           </p:cNvPr>
@@ -2166,7 +2166,7 @@
           <p:cNvPr id="2" name="제목 1">
             <a:extLst>
               <a:ext uri="{FF2B5EF4-FFF2-40B4-BE49-F238E27FC236}">
-                <a16:creationId xmlns:a16="http://schemas.microsoft.com/office/drawing/2014/main" xmlns="" id="{29EB5068-C6BB-4013-AED2-8397BC90405C}"/>
+                <a16:creationId xmlns="" xmlns:a16="http://schemas.microsoft.com/office/drawing/2014/main" id="{29EB5068-C6BB-4013-AED2-8397BC90405C}"/>
               </a:ext>
             </a:extLst>
           </p:cNvPr>
@@ -2203,7 +2203,7 @@
           <p:cNvPr id="3" name="내용 개체 틀 2">
             <a:extLst>
               <a:ext uri="{FF2B5EF4-FFF2-40B4-BE49-F238E27FC236}">
-                <a16:creationId xmlns:a16="http://schemas.microsoft.com/office/drawing/2014/main" xmlns="" id="{5F21880D-B3C2-42E2-BD26-9857AC87CE8B}"/>
+                <a16:creationId xmlns="" xmlns:a16="http://schemas.microsoft.com/office/drawing/2014/main" id="{5F21880D-B3C2-42E2-BD26-9857AC87CE8B}"/>
               </a:ext>
             </a:extLst>
           </p:cNvPr>
@@ -2293,7 +2293,7 @@
           <p:cNvPr id="4" name="텍스트 개체 틀 3">
             <a:extLst>
               <a:ext uri="{FF2B5EF4-FFF2-40B4-BE49-F238E27FC236}">
-                <a16:creationId xmlns:a16="http://schemas.microsoft.com/office/drawing/2014/main" xmlns="" id="{6642546A-6FB7-433D-8679-75EE9BBE2790}"/>
+                <a16:creationId xmlns="" xmlns:a16="http://schemas.microsoft.com/office/drawing/2014/main" id="{6642546A-6FB7-433D-8679-75EE9BBE2790}"/>
               </a:ext>
             </a:extLst>
           </p:cNvPr>
@@ -2364,7 +2364,7 @@
           <p:cNvPr id="5" name="날짜 개체 틀 4">
             <a:extLst>
               <a:ext uri="{FF2B5EF4-FFF2-40B4-BE49-F238E27FC236}">
-                <a16:creationId xmlns:a16="http://schemas.microsoft.com/office/drawing/2014/main" xmlns="" id="{4A96EB02-F906-4192-A10E-8B6DEE8E94D9}"/>
+                <a16:creationId xmlns="" xmlns:a16="http://schemas.microsoft.com/office/drawing/2014/main" id="{4A96EB02-F906-4192-A10E-8B6DEE8E94D9}"/>
               </a:ext>
             </a:extLst>
           </p:cNvPr>
@@ -2393,7 +2393,7 @@
           <p:cNvPr id="6" name="바닥글 개체 틀 5">
             <a:extLst>
               <a:ext uri="{FF2B5EF4-FFF2-40B4-BE49-F238E27FC236}">
-                <a16:creationId xmlns:a16="http://schemas.microsoft.com/office/drawing/2014/main" xmlns="" id="{285F9A33-065E-4CCD-9EB2-F03EDE5DB08D}"/>
+                <a16:creationId xmlns="" xmlns:a16="http://schemas.microsoft.com/office/drawing/2014/main" id="{285F9A33-065E-4CCD-9EB2-F03EDE5DB08D}"/>
               </a:ext>
             </a:extLst>
           </p:cNvPr>
@@ -2418,7 +2418,7 @@
           <p:cNvPr id="7" name="슬라이드 번호 개체 틀 6">
             <a:extLst>
               <a:ext uri="{FF2B5EF4-FFF2-40B4-BE49-F238E27FC236}">
-                <a16:creationId xmlns:a16="http://schemas.microsoft.com/office/drawing/2014/main" xmlns="" id="{44B93FEA-7B02-4218-9244-7C4D2B52A171}"/>
+                <a16:creationId xmlns="" xmlns:a16="http://schemas.microsoft.com/office/drawing/2014/main" id="{44B93FEA-7B02-4218-9244-7C4D2B52A171}"/>
               </a:ext>
             </a:extLst>
           </p:cNvPr>
@@ -2477,7 +2477,7 @@
           <p:cNvPr id="2" name="제목 1">
             <a:extLst>
               <a:ext uri="{FF2B5EF4-FFF2-40B4-BE49-F238E27FC236}">
-                <a16:creationId xmlns:a16="http://schemas.microsoft.com/office/drawing/2014/main" xmlns="" id="{74B63802-3142-4C09-ADB3-AB4AE9A8A3C9}"/>
+                <a16:creationId xmlns="" xmlns:a16="http://schemas.microsoft.com/office/drawing/2014/main" id="{74B63802-3142-4C09-ADB3-AB4AE9A8A3C9}"/>
               </a:ext>
             </a:extLst>
           </p:cNvPr>
@@ -2514,7 +2514,7 @@
           <p:cNvPr id="3" name="그림 개체 틀 2">
             <a:extLst>
               <a:ext uri="{FF2B5EF4-FFF2-40B4-BE49-F238E27FC236}">
-                <a16:creationId xmlns:a16="http://schemas.microsoft.com/office/drawing/2014/main" xmlns="" id="{0C617338-A97A-49F5-AB03-8E10FA57349F}"/>
+                <a16:creationId xmlns="" xmlns:a16="http://schemas.microsoft.com/office/drawing/2014/main" id="{0C617338-A97A-49F5-AB03-8E10FA57349F}"/>
               </a:ext>
             </a:extLst>
           </p:cNvPr>
@@ -2581,7 +2581,7 @@
           <p:cNvPr id="4" name="텍스트 개체 틀 3">
             <a:extLst>
               <a:ext uri="{FF2B5EF4-FFF2-40B4-BE49-F238E27FC236}">
-                <a16:creationId xmlns:a16="http://schemas.microsoft.com/office/drawing/2014/main" xmlns="" id="{F03BA006-43DA-4870-A36F-ED9B4132AF4A}"/>
+                <a16:creationId xmlns="" xmlns:a16="http://schemas.microsoft.com/office/drawing/2014/main" id="{F03BA006-43DA-4870-A36F-ED9B4132AF4A}"/>
               </a:ext>
             </a:extLst>
           </p:cNvPr>
@@ -2652,7 +2652,7 @@
           <p:cNvPr id="5" name="날짜 개체 틀 4">
             <a:extLst>
               <a:ext uri="{FF2B5EF4-FFF2-40B4-BE49-F238E27FC236}">
-                <a16:creationId xmlns:a16="http://schemas.microsoft.com/office/drawing/2014/main" xmlns="" id="{BA67BF82-4BE9-423A-902F-9ED6304ABD41}"/>
+                <a16:creationId xmlns="" xmlns:a16="http://schemas.microsoft.com/office/drawing/2014/main" id="{BA67BF82-4BE9-423A-902F-9ED6304ABD41}"/>
               </a:ext>
             </a:extLst>
           </p:cNvPr>
@@ -2681,7 +2681,7 @@
           <p:cNvPr id="6" name="바닥글 개체 틀 5">
             <a:extLst>
               <a:ext uri="{FF2B5EF4-FFF2-40B4-BE49-F238E27FC236}">
-                <a16:creationId xmlns:a16="http://schemas.microsoft.com/office/drawing/2014/main" xmlns="" id="{4C6A188A-B89F-41F7-BCA0-8A32F7101A7D}"/>
+                <a16:creationId xmlns="" xmlns:a16="http://schemas.microsoft.com/office/drawing/2014/main" id="{4C6A188A-B89F-41F7-BCA0-8A32F7101A7D}"/>
               </a:ext>
             </a:extLst>
           </p:cNvPr>
@@ -2706,7 +2706,7 @@
           <p:cNvPr id="7" name="슬라이드 번호 개체 틀 6">
             <a:extLst>
               <a:ext uri="{FF2B5EF4-FFF2-40B4-BE49-F238E27FC236}">
-                <a16:creationId xmlns:a16="http://schemas.microsoft.com/office/drawing/2014/main" xmlns="" id="{77993406-8AFC-4EB3-9E27-D17902E41F3A}"/>
+                <a16:creationId xmlns="" xmlns:a16="http://schemas.microsoft.com/office/drawing/2014/main" id="{77993406-8AFC-4EB3-9E27-D17902E41F3A}"/>
               </a:ext>
             </a:extLst>
           </p:cNvPr>
@@ -2770,7 +2770,7 @@
           <p:cNvPr id="2" name="제목 개체 틀 1">
             <a:extLst>
               <a:ext uri="{FF2B5EF4-FFF2-40B4-BE49-F238E27FC236}">
-                <a16:creationId xmlns:a16="http://schemas.microsoft.com/office/drawing/2014/main" xmlns="" id="{3F5FFA22-772B-4390-B9E2-3BA8D85C6838}"/>
+                <a16:creationId xmlns="" xmlns:a16="http://schemas.microsoft.com/office/drawing/2014/main" id="{3F5FFA22-772B-4390-B9E2-3BA8D85C6838}"/>
               </a:ext>
             </a:extLst>
           </p:cNvPr>
@@ -2808,7 +2808,7 @@
           <p:cNvPr id="3" name="텍스트 개체 틀 2">
             <a:extLst>
               <a:ext uri="{FF2B5EF4-FFF2-40B4-BE49-F238E27FC236}">
-                <a16:creationId xmlns:a16="http://schemas.microsoft.com/office/drawing/2014/main" xmlns="" id="{1EC98CBB-2FC3-4068-8310-0BA508931F67}"/>
+                <a16:creationId xmlns="" xmlns:a16="http://schemas.microsoft.com/office/drawing/2014/main" id="{1EC98CBB-2FC3-4068-8310-0BA508931F67}"/>
               </a:ext>
             </a:extLst>
           </p:cNvPr>
@@ -2875,7 +2875,7 @@
           <p:cNvPr id="4" name="날짜 개체 틀 3">
             <a:extLst>
               <a:ext uri="{FF2B5EF4-FFF2-40B4-BE49-F238E27FC236}">
-                <a16:creationId xmlns:a16="http://schemas.microsoft.com/office/drawing/2014/main" xmlns="" id="{1903A797-6E42-4E25-BC83-1FADC0E55EE2}"/>
+                <a16:creationId xmlns="" xmlns:a16="http://schemas.microsoft.com/office/drawing/2014/main" id="{1903A797-6E42-4E25-BC83-1FADC0E55EE2}"/>
               </a:ext>
             </a:extLst>
           </p:cNvPr>
@@ -2922,7 +2922,7 @@
           <p:cNvPr id="5" name="바닥글 개체 틀 4">
             <a:extLst>
               <a:ext uri="{FF2B5EF4-FFF2-40B4-BE49-F238E27FC236}">
-                <a16:creationId xmlns:a16="http://schemas.microsoft.com/office/drawing/2014/main" xmlns="" id="{6D44985F-B7AC-4350-9FA5-9CE06C2CB19D}"/>
+                <a16:creationId xmlns="" xmlns:a16="http://schemas.microsoft.com/office/drawing/2014/main" id="{6D44985F-B7AC-4350-9FA5-9CE06C2CB19D}"/>
               </a:ext>
             </a:extLst>
           </p:cNvPr>
@@ -2965,7 +2965,7 @@
           <p:cNvPr id="6" name="슬라이드 번호 개체 틀 5">
             <a:extLst>
               <a:ext uri="{FF2B5EF4-FFF2-40B4-BE49-F238E27FC236}">
-                <a16:creationId xmlns:a16="http://schemas.microsoft.com/office/drawing/2014/main" xmlns="" id="{5D94944D-231A-4164-9D7D-2A58346C59B3}"/>
+                <a16:creationId xmlns="" xmlns:a16="http://schemas.microsoft.com/office/drawing/2014/main" id="{5D94944D-231A-4164-9D7D-2A58346C59B3}"/>
               </a:ext>
             </a:extLst>
           </p:cNvPr>
@@ -3341,7 +3341,7 @@
           <p:cNvPr id="2" name="제목 1">
             <a:extLst>
               <a:ext uri="{FF2B5EF4-FFF2-40B4-BE49-F238E27FC236}">
-                <a16:creationId xmlns:a16="http://schemas.microsoft.com/office/drawing/2014/main" xmlns="" id="{9D0D6DAD-010C-4B48-B2C8-A05307AE725D}"/>
+                <a16:creationId xmlns="" xmlns:a16="http://schemas.microsoft.com/office/drawing/2014/main" id="{9D0D6DAD-010C-4B48-B2C8-A05307AE725D}"/>
               </a:ext>
             </a:extLst>
           </p:cNvPr>
@@ -3429,7 +3429,7 @@
           <p:cNvPr id="3" name="부제목 2">
             <a:extLst>
               <a:ext uri="{FF2B5EF4-FFF2-40B4-BE49-F238E27FC236}">
-                <a16:creationId xmlns:a16="http://schemas.microsoft.com/office/drawing/2014/main" xmlns="" id="{440AE397-4916-4CFE-9463-2B4F1186D334}"/>
+                <a16:creationId xmlns="" xmlns:a16="http://schemas.microsoft.com/office/drawing/2014/main" id="{440AE397-4916-4CFE-9463-2B4F1186D334}"/>
               </a:ext>
             </a:extLst>
           </p:cNvPr>
@@ -3595,7 +3595,7 @@
           <p:cNvPr id="5" name="Picture 4">
             <a:extLst>
               <a:ext uri="{FF2B5EF4-FFF2-40B4-BE49-F238E27FC236}">
-                <a16:creationId xmlns:a16="http://schemas.microsoft.com/office/drawing/2014/main" xmlns="" id="{4A8BDF83-BAC0-48B1-8675-FC7376E27BCC}"/>
+                <a16:creationId xmlns="" xmlns:a16="http://schemas.microsoft.com/office/drawing/2014/main" id="{4A8BDF83-BAC0-48B1-8675-FC7376E27BCC}"/>
               </a:ext>
             </a:extLst>
           </p:cNvPr>
@@ -3642,7 +3642,7 @@
           <p:cNvPr id="7" name="Picture 2">
             <a:extLst>
               <a:ext uri="{FF2B5EF4-FFF2-40B4-BE49-F238E27FC236}">
-                <a16:creationId xmlns:a16="http://schemas.microsoft.com/office/drawing/2014/main" xmlns="" id="{777BC8B2-00BC-4EB0-9D05-54A41B77B1F5}"/>
+                <a16:creationId xmlns="" xmlns:a16="http://schemas.microsoft.com/office/drawing/2014/main" id="{777BC8B2-00BC-4EB0-9D05-54A41B77B1F5}"/>
               </a:ext>
             </a:extLst>
           </p:cNvPr>
@@ -3689,7 +3689,7 @@
           <p:cNvPr id="9" name="Picture 4" descr="비공식 자바스크립트 로고 2">
             <a:extLst>
               <a:ext uri="{FF2B5EF4-FFF2-40B4-BE49-F238E27FC236}">
-                <a16:creationId xmlns:a16="http://schemas.microsoft.com/office/drawing/2014/main" xmlns="" id="{80CEA20C-A6CC-4F11-99DF-C823A24600A9}"/>
+                <a16:creationId xmlns="" xmlns:a16="http://schemas.microsoft.com/office/drawing/2014/main" id="{80CEA20C-A6CC-4F11-99DF-C823A24600A9}"/>
               </a:ext>
             </a:extLst>
           </p:cNvPr>
@@ -3736,7 +3736,7 @@
           <p:cNvPr id="11" name="그림 10">
             <a:extLst>
               <a:ext uri="{FF2B5EF4-FFF2-40B4-BE49-F238E27FC236}">
-                <a16:creationId xmlns:a16="http://schemas.microsoft.com/office/drawing/2014/main" xmlns="" id="{3C77096E-704A-4A2D-846E-C8F8D2D7D2A4}"/>
+                <a16:creationId xmlns="" xmlns:a16="http://schemas.microsoft.com/office/drawing/2014/main" id="{3C77096E-704A-4A2D-846E-C8F8D2D7D2A4}"/>
               </a:ext>
             </a:extLst>
           </p:cNvPr>
@@ -3804,7 +3804,7 @@
           <p:cNvPr id="8" name="TextBox 7">
             <a:extLst>
               <a:ext uri="{FF2B5EF4-FFF2-40B4-BE49-F238E27FC236}">
-                <a16:creationId xmlns:a16="http://schemas.microsoft.com/office/drawing/2014/main" xmlns="" id="{351F780C-4680-4C7D-868D-1B6A9DA00B13}"/>
+                <a16:creationId xmlns="" xmlns:a16="http://schemas.microsoft.com/office/drawing/2014/main" id="{351F780C-4680-4C7D-868D-1B6A9DA00B13}"/>
               </a:ext>
             </a:extLst>
           </p:cNvPr>
@@ -3891,7 +3891,7 @@
           <p:cNvPr id="10" name="TextBox 9">
             <a:extLst>
               <a:ext uri="{FF2B5EF4-FFF2-40B4-BE49-F238E27FC236}">
-                <a16:creationId xmlns:a16="http://schemas.microsoft.com/office/drawing/2014/main" xmlns="" id="{2C8970D1-2123-4299-92C0-214B44943EE8}"/>
+                <a16:creationId xmlns="" xmlns:a16="http://schemas.microsoft.com/office/drawing/2014/main" id="{2C8970D1-2123-4299-92C0-214B44943EE8}"/>
               </a:ext>
             </a:extLst>
           </p:cNvPr>
@@ -4514,7 +4514,7 @@
           <p:cNvPr id="11" name="직사각형 10">
             <a:extLst>
               <a:ext uri="{FF2B5EF4-FFF2-40B4-BE49-F238E27FC236}">
-                <a16:creationId xmlns:a16="http://schemas.microsoft.com/office/drawing/2014/main" xmlns="" id="{FEDE409B-423E-4516-ADC9-5A3391D98417}"/>
+                <a16:creationId xmlns="" xmlns:a16="http://schemas.microsoft.com/office/drawing/2014/main" id="{FEDE409B-423E-4516-ADC9-5A3391D98417}"/>
               </a:ext>
             </a:extLst>
           </p:cNvPr>
@@ -4570,7 +4570,7 @@
           <p:cNvPr id="2" name="TextBox 1">
             <a:extLst>
               <a:ext uri="{FF2B5EF4-FFF2-40B4-BE49-F238E27FC236}">
-                <a16:creationId xmlns:a16="http://schemas.microsoft.com/office/drawing/2014/main" xmlns="" id="{565C7E9F-8E6B-44C1-BE58-13CA3A1E003B}"/>
+                <a16:creationId xmlns="" xmlns:a16="http://schemas.microsoft.com/office/drawing/2014/main" id="{565C7E9F-8E6B-44C1-BE58-13CA3A1E003B}"/>
               </a:ext>
             </a:extLst>
           </p:cNvPr>
@@ -4817,7 +4817,7 @@
           <p:cNvPr id="8" name="TextBox 7">
             <a:extLst>
               <a:ext uri="{FF2B5EF4-FFF2-40B4-BE49-F238E27FC236}">
-                <a16:creationId xmlns:a16="http://schemas.microsoft.com/office/drawing/2014/main" xmlns="" id="{351F780C-4680-4C7D-868D-1B6A9DA00B13}"/>
+                <a16:creationId xmlns="" xmlns:a16="http://schemas.microsoft.com/office/drawing/2014/main" id="{351F780C-4680-4C7D-868D-1B6A9DA00B13}"/>
               </a:ext>
             </a:extLst>
           </p:cNvPr>
@@ -4874,7 +4874,7 @@
           <p:cNvPr id="10" name="TextBox 9">
             <a:extLst>
               <a:ext uri="{FF2B5EF4-FFF2-40B4-BE49-F238E27FC236}">
-                <a16:creationId xmlns:a16="http://schemas.microsoft.com/office/drawing/2014/main" xmlns="" id="{2C8970D1-2123-4299-92C0-214B44943EE8}"/>
+                <a16:creationId xmlns="" xmlns:a16="http://schemas.microsoft.com/office/drawing/2014/main" id="{2C8970D1-2123-4299-92C0-214B44943EE8}"/>
               </a:ext>
             </a:extLst>
           </p:cNvPr>
@@ -4986,7 +4986,7 @@
               <a:t>  </a:t>
             </a:r>
             <a:r>
-              <a:rPr lang="ko-KR" altLang="en-US" sz="1600" dirty="0" smtClean="0">
+              <a:rPr lang="ko-KR" altLang="en-US" sz="1600" smtClean="0">
                 <a:solidFill>
                   <a:schemeClr val="tx1">
                     <a:lumMod val="85000"/>
@@ -4998,16 +4998,16 @@
               <a:t>물건 </a:t>
             </a:r>
             <a:r>
-              <a:rPr lang="ko-KR" altLang="en-US" sz="1600" dirty="0" err="1" smtClean="0">
-                <a:solidFill>
-                  <a:schemeClr val="tx1">
-                    <a:lumMod val="85000"/>
-                    <a:lumOff val="15000"/>
-                  </a:schemeClr>
-                </a:solidFill>
-                <a:latin typeface="+mn-ea"/>
-              </a:rPr>
-              <a:t>판별기</a:t>
+              <a:rPr lang="ko-KR" altLang="en-US" sz="1600" smtClean="0">
+                <a:solidFill>
+                  <a:schemeClr val="tx1">
+                    <a:lumMod val="85000"/>
+                    <a:lumOff val="15000"/>
+                  </a:schemeClr>
+                </a:solidFill>
+                <a:latin typeface="+mn-ea"/>
+              </a:rPr>
+              <a:t>판별 기</a:t>
             </a:r>
             <a:r>
               <a:rPr lang="en-US" altLang="ko-KR" sz="1600" dirty="0">
@@ -5254,7 +5254,7 @@
           <p:cNvPr id="17" name="TextBox 16">
             <a:extLst>
               <a:ext uri="{FF2B5EF4-FFF2-40B4-BE49-F238E27FC236}">
-                <a16:creationId xmlns:a16="http://schemas.microsoft.com/office/drawing/2014/main" xmlns="" id="{94F157CB-72CA-4A34-ACFB-7E8E970A4694}"/>
+                <a16:creationId xmlns="" xmlns:a16="http://schemas.microsoft.com/office/drawing/2014/main" id="{94F157CB-72CA-4A34-ACFB-7E8E970A4694}"/>
               </a:ext>
             </a:extLst>
           </p:cNvPr>
@@ -5337,7 +5337,7 @@
           <p:cNvPr id="19" name="TextBox 18">
             <a:extLst>
               <a:ext uri="{FF2B5EF4-FFF2-40B4-BE49-F238E27FC236}">
-                <a16:creationId xmlns:a16="http://schemas.microsoft.com/office/drawing/2014/main" xmlns="" id="{FD14AB26-3BEA-479A-BAB4-816E4E65DE8F}"/>
+                <a16:creationId xmlns="" xmlns:a16="http://schemas.microsoft.com/office/drawing/2014/main" id="{FD14AB26-3BEA-479A-BAB4-816E4E65DE8F}"/>
               </a:ext>
             </a:extLst>
           </p:cNvPr>
@@ -5401,7 +5401,7 @@
           <p:cNvPr id="21" name="TextBox 20">
             <a:extLst>
               <a:ext uri="{FF2B5EF4-FFF2-40B4-BE49-F238E27FC236}">
-                <a16:creationId xmlns:a16="http://schemas.microsoft.com/office/drawing/2014/main" xmlns="" id="{F269DC2A-6D73-4A1B-B65D-43407683EC46}"/>
+                <a16:creationId xmlns="" xmlns:a16="http://schemas.microsoft.com/office/drawing/2014/main" id="{F269DC2A-6D73-4A1B-B65D-43407683EC46}"/>
               </a:ext>
             </a:extLst>
           </p:cNvPr>
@@ -5446,7 +5446,25 @@
                 </a:solidFill>
                 <a:latin typeface="+mn-ea"/>
               </a:rPr>
-              <a:t>: https://</a:t>
+              <a:t>: https</a:t>
+            </a:r>
+            <a:r>
+              <a:rPr lang="en-US" altLang="ko-KR" sz="2000" dirty="0" smtClean="0">
+                <a:solidFill>
+                  <a:schemeClr val="tx1">
+                    <a:lumMod val="85000"/>
+                    <a:lumOff val="15000"/>
+                  </a:schemeClr>
+                </a:solidFill>
+                <a:latin typeface="+mn-ea"/>
+              </a:rPr>
+              <a:t>://</a:t>
+            </a:r>
+            <a:r>
+              <a:rPr lang="en-US" altLang="ko-KR" sz="2000" u="sng" dirty="0">
+                <a:hlinkClick r:id="rId2"/>
+              </a:rPr>
+              <a:t>kwon812.github.io/template1/</a:t>
             </a:r>
             <a:endParaRPr lang="ko-KR" altLang="en-US" sz="2000" dirty="0">
               <a:solidFill>
@@ -5762,7 +5780,7 @@
   <a:extraClrSchemeLst/>
   <a:extLst>
     <a:ext uri="{05A4C25C-085E-4340-85A3-A5531E510DB2}">
-      <thm15:themeFamily xmlns:thm15="http://schemas.microsoft.com/office/thememl/2012/main" xmlns="" name="Office Theme" id="{62F939B6-93AF-4DB8-9C6B-D6C7DFDC589F}" vid="{4A3C46E8-61CC-4603-A589-7422A47A8E4A}"/>
+      <thm15:themeFamily xmlns="" xmlns:thm15="http://schemas.microsoft.com/office/thememl/2012/main" name="Office Theme" id="{62F939B6-93AF-4DB8-9C6B-D6C7DFDC589F}" vid="{4A3C46E8-61CC-4603-A589-7422A47A8E4A}"/>
     </a:ext>
   </a:extLst>
 </a:theme>

--- a/Report.pptx
+++ b/Report.pptx
@@ -108,7 +108,7 @@
   </p:defaultTextStyle>
   <p:extLst>
     <p:ext uri="{EFAFB233-063F-42B5-8137-9DF3F51BA10A}">
-      <p15:sldGuideLst xmlns="" xmlns:p15="http://schemas.microsoft.com/office/powerpoint/2012/main"/>
+      <p15:sldGuideLst xmlns:p15="http://schemas.microsoft.com/office/powerpoint/2012/main" xmlns=""/>
     </p:ext>
   </p:extLst>
 </p:presentation>
@@ -136,7 +136,7 @@
           <p:cNvPr id="2" name="제목 1">
             <a:extLst>
               <a:ext uri="{FF2B5EF4-FFF2-40B4-BE49-F238E27FC236}">
-                <a16:creationId xmlns="" xmlns:a16="http://schemas.microsoft.com/office/drawing/2014/main" id="{DFF2C538-D806-482C-A2DB-B6D71CAEFF10}"/>
+                <a16:creationId xmlns:a16="http://schemas.microsoft.com/office/drawing/2014/main" xmlns="" id="{DFF2C538-D806-482C-A2DB-B6D71CAEFF10}"/>
               </a:ext>
             </a:extLst>
           </p:cNvPr>
@@ -173,7 +173,7 @@
           <p:cNvPr id="3" name="부제목 2">
             <a:extLst>
               <a:ext uri="{FF2B5EF4-FFF2-40B4-BE49-F238E27FC236}">
-                <a16:creationId xmlns="" xmlns:a16="http://schemas.microsoft.com/office/drawing/2014/main" id="{EDDD2879-CD7B-4233-9A6A-172FFF343EAC}"/>
+                <a16:creationId xmlns:a16="http://schemas.microsoft.com/office/drawing/2014/main" xmlns="" id="{EDDD2879-CD7B-4233-9A6A-172FFF343EAC}"/>
               </a:ext>
             </a:extLst>
           </p:cNvPr>
@@ -243,7 +243,7 @@
           <p:cNvPr id="4" name="날짜 개체 틀 3">
             <a:extLst>
               <a:ext uri="{FF2B5EF4-FFF2-40B4-BE49-F238E27FC236}">
-                <a16:creationId xmlns="" xmlns:a16="http://schemas.microsoft.com/office/drawing/2014/main" id="{91828984-E658-4BB8-8874-BD8317ABCF37}"/>
+                <a16:creationId xmlns:a16="http://schemas.microsoft.com/office/drawing/2014/main" xmlns="" id="{91828984-E658-4BB8-8874-BD8317ABCF37}"/>
               </a:ext>
             </a:extLst>
           </p:cNvPr>
@@ -272,7 +272,7 @@
           <p:cNvPr id="5" name="바닥글 개체 틀 4">
             <a:extLst>
               <a:ext uri="{FF2B5EF4-FFF2-40B4-BE49-F238E27FC236}">
-                <a16:creationId xmlns="" xmlns:a16="http://schemas.microsoft.com/office/drawing/2014/main" id="{80DBA16E-4FB5-4E05-82C8-EC468F2F1C88}"/>
+                <a16:creationId xmlns:a16="http://schemas.microsoft.com/office/drawing/2014/main" xmlns="" id="{80DBA16E-4FB5-4E05-82C8-EC468F2F1C88}"/>
               </a:ext>
             </a:extLst>
           </p:cNvPr>
@@ -297,7 +297,7 @@
           <p:cNvPr id="6" name="슬라이드 번호 개체 틀 5">
             <a:extLst>
               <a:ext uri="{FF2B5EF4-FFF2-40B4-BE49-F238E27FC236}">
-                <a16:creationId xmlns="" xmlns:a16="http://schemas.microsoft.com/office/drawing/2014/main" id="{7146A1BC-E5B2-40C7-AC5F-51DAF5749BC7}"/>
+                <a16:creationId xmlns:a16="http://schemas.microsoft.com/office/drawing/2014/main" xmlns="" id="{7146A1BC-E5B2-40C7-AC5F-51DAF5749BC7}"/>
               </a:ext>
             </a:extLst>
           </p:cNvPr>
@@ -356,7 +356,7 @@
           <p:cNvPr id="2" name="제목 1">
             <a:extLst>
               <a:ext uri="{FF2B5EF4-FFF2-40B4-BE49-F238E27FC236}">
-                <a16:creationId xmlns="" xmlns:a16="http://schemas.microsoft.com/office/drawing/2014/main" id="{2C200C31-E912-4EAD-B401-D8CFE142BA3D}"/>
+                <a16:creationId xmlns:a16="http://schemas.microsoft.com/office/drawing/2014/main" xmlns="" id="{2C200C31-E912-4EAD-B401-D8CFE142BA3D}"/>
               </a:ext>
             </a:extLst>
           </p:cNvPr>
@@ -384,7 +384,7 @@
           <p:cNvPr id="3" name="세로 텍스트 개체 틀 2">
             <a:extLst>
               <a:ext uri="{FF2B5EF4-FFF2-40B4-BE49-F238E27FC236}">
-                <a16:creationId xmlns="" xmlns:a16="http://schemas.microsoft.com/office/drawing/2014/main" id="{F74BD3C7-1BB9-49E9-B8EF-5B539DF08FA6}"/>
+                <a16:creationId xmlns:a16="http://schemas.microsoft.com/office/drawing/2014/main" xmlns="" id="{F74BD3C7-1BB9-49E9-B8EF-5B539DF08FA6}"/>
               </a:ext>
             </a:extLst>
           </p:cNvPr>
@@ -441,7 +441,7 @@
           <p:cNvPr id="4" name="날짜 개체 틀 3">
             <a:extLst>
               <a:ext uri="{FF2B5EF4-FFF2-40B4-BE49-F238E27FC236}">
-                <a16:creationId xmlns="" xmlns:a16="http://schemas.microsoft.com/office/drawing/2014/main" id="{290F2357-D9AA-433F-8F81-5C993592B425}"/>
+                <a16:creationId xmlns:a16="http://schemas.microsoft.com/office/drawing/2014/main" xmlns="" id="{290F2357-D9AA-433F-8F81-5C993592B425}"/>
               </a:ext>
             </a:extLst>
           </p:cNvPr>
@@ -470,7 +470,7 @@
           <p:cNvPr id="5" name="바닥글 개체 틀 4">
             <a:extLst>
               <a:ext uri="{FF2B5EF4-FFF2-40B4-BE49-F238E27FC236}">
-                <a16:creationId xmlns="" xmlns:a16="http://schemas.microsoft.com/office/drawing/2014/main" id="{628E1FB3-38AC-435D-B8A4-CF7D7CE8B797}"/>
+                <a16:creationId xmlns:a16="http://schemas.microsoft.com/office/drawing/2014/main" xmlns="" id="{628E1FB3-38AC-435D-B8A4-CF7D7CE8B797}"/>
               </a:ext>
             </a:extLst>
           </p:cNvPr>
@@ -495,7 +495,7 @@
           <p:cNvPr id="6" name="슬라이드 번호 개체 틀 5">
             <a:extLst>
               <a:ext uri="{FF2B5EF4-FFF2-40B4-BE49-F238E27FC236}">
-                <a16:creationId xmlns="" xmlns:a16="http://schemas.microsoft.com/office/drawing/2014/main" id="{97C244B1-A69D-4B5A-AD69-F18927F28661}"/>
+                <a16:creationId xmlns:a16="http://schemas.microsoft.com/office/drawing/2014/main" xmlns="" id="{97C244B1-A69D-4B5A-AD69-F18927F28661}"/>
               </a:ext>
             </a:extLst>
           </p:cNvPr>
@@ -554,7 +554,7 @@
           <p:cNvPr id="2" name="세로 제목 1">
             <a:extLst>
               <a:ext uri="{FF2B5EF4-FFF2-40B4-BE49-F238E27FC236}">
-                <a16:creationId xmlns="" xmlns:a16="http://schemas.microsoft.com/office/drawing/2014/main" id="{1D8A94B6-2162-4F60-9BBC-C21E6B88CC6A}"/>
+                <a16:creationId xmlns:a16="http://schemas.microsoft.com/office/drawing/2014/main" xmlns="" id="{1D8A94B6-2162-4F60-9BBC-C21E6B88CC6A}"/>
               </a:ext>
             </a:extLst>
           </p:cNvPr>
@@ -587,7 +587,7 @@
           <p:cNvPr id="3" name="세로 텍스트 개체 틀 2">
             <a:extLst>
               <a:ext uri="{FF2B5EF4-FFF2-40B4-BE49-F238E27FC236}">
-                <a16:creationId xmlns="" xmlns:a16="http://schemas.microsoft.com/office/drawing/2014/main" id="{327F81E0-B579-4AFC-8D26-0B0AA2EB793A}"/>
+                <a16:creationId xmlns:a16="http://schemas.microsoft.com/office/drawing/2014/main" xmlns="" id="{327F81E0-B579-4AFC-8D26-0B0AA2EB793A}"/>
               </a:ext>
             </a:extLst>
           </p:cNvPr>
@@ -649,7 +649,7 @@
           <p:cNvPr id="4" name="날짜 개체 틀 3">
             <a:extLst>
               <a:ext uri="{FF2B5EF4-FFF2-40B4-BE49-F238E27FC236}">
-                <a16:creationId xmlns="" xmlns:a16="http://schemas.microsoft.com/office/drawing/2014/main" id="{8012CA42-9A2D-42DA-833F-F6B0F0FEA294}"/>
+                <a16:creationId xmlns:a16="http://schemas.microsoft.com/office/drawing/2014/main" xmlns="" id="{8012CA42-9A2D-42DA-833F-F6B0F0FEA294}"/>
               </a:ext>
             </a:extLst>
           </p:cNvPr>
@@ -678,7 +678,7 @@
           <p:cNvPr id="5" name="바닥글 개체 틀 4">
             <a:extLst>
               <a:ext uri="{FF2B5EF4-FFF2-40B4-BE49-F238E27FC236}">
-                <a16:creationId xmlns="" xmlns:a16="http://schemas.microsoft.com/office/drawing/2014/main" id="{87C48F76-9144-47A0-B39B-43D67D773EFA}"/>
+                <a16:creationId xmlns:a16="http://schemas.microsoft.com/office/drawing/2014/main" xmlns="" id="{87C48F76-9144-47A0-B39B-43D67D773EFA}"/>
               </a:ext>
             </a:extLst>
           </p:cNvPr>
@@ -703,7 +703,7 @@
           <p:cNvPr id="6" name="슬라이드 번호 개체 틀 5">
             <a:extLst>
               <a:ext uri="{FF2B5EF4-FFF2-40B4-BE49-F238E27FC236}">
-                <a16:creationId xmlns="" xmlns:a16="http://schemas.microsoft.com/office/drawing/2014/main" id="{BD03FE9D-CDED-45AE-BB6B-8642BA36B85C}"/>
+                <a16:creationId xmlns:a16="http://schemas.microsoft.com/office/drawing/2014/main" xmlns="" id="{BD03FE9D-CDED-45AE-BB6B-8642BA36B85C}"/>
               </a:ext>
             </a:extLst>
           </p:cNvPr>
@@ -762,7 +762,7 @@
           <p:cNvPr id="2" name="제목 1">
             <a:extLst>
               <a:ext uri="{FF2B5EF4-FFF2-40B4-BE49-F238E27FC236}">
-                <a16:creationId xmlns="" xmlns:a16="http://schemas.microsoft.com/office/drawing/2014/main" id="{6FE76F51-D8DE-4B32-A5BD-F2E09A7A0405}"/>
+                <a16:creationId xmlns:a16="http://schemas.microsoft.com/office/drawing/2014/main" xmlns="" id="{6FE76F51-D8DE-4B32-A5BD-F2E09A7A0405}"/>
               </a:ext>
             </a:extLst>
           </p:cNvPr>
@@ -790,7 +790,7 @@
           <p:cNvPr id="3" name="내용 개체 틀 2">
             <a:extLst>
               <a:ext uri="{FF2B5EF4-FFF2-40B4-BE49-F238E27FC236}">
-                <a16:creationId xmlns="" xmlns:a16="http://schemas.microsoft.com/office/drawing/2014/main" id="{C152F7D0-83C5-4FE7-B256-A7EDE9715DA3}"/>
+                <a16:creationId xmlns:a16="http://schemas.microsoft.com/office/drawing/2014/main" xmlns="" id="{C152F7D0-83C5-4FE7-B256-A7EDE9715DA3}"/>
               </a:ext>
             </a:extLst>
           </p:cNvPr>
@@ -847,7 +847,7 @@
           <p:cNvPr id="4" name="날짜 개체 틀 3">
             <a:extLst>
               <a:ext uri="{FF2B5EF4-FFF2-40B4-BE49-F238E27FC236}">
-                <a16:creationId xmlns="" xmlns:a16="http://schemas.microsoft.com/office/drawing/2014/main" id="{74714CD9-A810-44F2-BF9D-81583CA9964C}"/>
+                <a16:creationId xmlns:a16="http://schemas.microsoft.com/office/drawing/2014/main" xmlns="" id="{74714CD9-A810-44F2-BF9D-81583CA9964C}"/>
               </a:ext>
             </a:extLst>
           </p:cNvPr>
@@ -876,7 +876,7 @@
           <p:cNvPr id="5" name="바닥글 개체 틀 4">
             <a:extLst>
               <a:ext uri="{FF2B5EF4-FFF2-40B4-BE49-F238E27FC236}">
-                <a16:creationId xmlns="" xmlns:a16="http://schemas.microsoft.com/office/drawing/2014/main" id="{7A73E13C-F272-445A-B2F4-F3536E3CD9DB}"/>
+                <a16:creationId xmlns:a16="http://schemas.microsoft.com/office/drawing/2014/main" xmlns="" id="{7A73E13C-F272-445A-B2F4-F3536E3CD9DB}"/>
               </a:ext>
             </a:extLst>
           </p:cNvPr>
@@ -901,7 +901,7 @@
           <p:cNvPr id="6" name="슬라이드 번호 개체 틀 5">
             <a:extLst>
               <a:ext uri="{FF2B5EF4-FFF2-40B4-BE49-F238E27FC236}">
-                <a16:creationId xmlns="" xmlns:a16="http://schemas.microsoft.com/office/drawing/2014/main" id="{5FD69B14-5B09-44DB-A25F-B5DDF46BA3BF}"/>
+                <a16:creationId xmlns:a16="http://schemas.microsoft.com/office/drawing/2014/main" xmlns="" id="{5FD69B14-5B09-44DB-A25F-B5DDF46BA3BF}"/>
               </a:ext>
             </a:extLst>
           </p:cNvPr>
@@ -960,7 +960,7 @@
           <p:cNvPr id="2" name="제목 1">
             <a:extLst>
               <a:ext uri="{FF2B5EF4-FFF2-40B4-BE49-F238E27FC236}">
-                <a16:creationId xmlns="" xmlns:a16="http://schemas.microsoft.com/office/drawing/2014/main" id="{64DC5775-F271-47E8-A583-6EFEE63E02E4}"/>
+                <a16:creationId xmlns:a16="http://schemas.microsoft.com/office/drawing/2014/main" xmlns="" id="{64DC5775-F271-47E8-A583-6EFEE63E02E4}"/>
               </a:ext>
             </a:extLst>
           </p:cNvPr>
@@ -997,7 +997,7 @@
           <p:cNvPr id="3" name="텍스트 개체 틀 2">
             <a:extLst>
               <a:ext uri="{FF2B5EF4-FFF2-40B4-BE49-F238E27FC236}">
-                <a16:creationId xmlns="" xmlns:a16="http://schemas.microsoft.com/office/drawing/2014/main" id="{FF409596-D62C-4792-A59C-FE192658696F}"/>
+                <a16:creationId xmlns:a16="http://schemas.microsoft.com/office/drawing/2014/main" xmlns="" id="{FF409596-D62C-4792-A59C-FE192658696F}"/>
               </a:ext>
             </a:extLst>
           </p:cNvPr>
@@ -1122,7 +1122,7 @@
           <p:cNvPr id="4" name="날짜 개체 틀 3">
             <a:extLst>
               <a:ext uri="{FF2B5EF4-FFF2-40B4-BE49-F238E27FC236}">
-                <a16:creationId xmlns="" xmlns:a16="http://schemas.microsoft.com/office/drawing/2014/main" id="{FD0950A4-2E88-4EB9-A44E-680FCB66EB70}"/>
+                <a16:creationId xmlns:a16="http://schemas.microsoft.com/office/drawing/2014/main" xmlns="" id="{FD0950A4-2E88-4EB9-A44E-680FCB66EB70}"/>
               </a:ext>
             </a:extLst>
           </p:cNvPr>
@@ -1151,7 +1151,7 @@
           <p:cNvPr id="5" name="바닥글 개체 틀 4">
             <a:extLst>
               <a:ext uri="{FF2B5EF4-FFF2-40B4-BE49-F238E27FC236}">
-                <a16:creationId xmlns="" xmlns:a16="http://schemas.microsoft.com/office/drawing/2014/main" id="{A0EBD91C-0203-4879-A666-62B1C0F803B8}"/>
+                <a16:creationId xmlns:a16="http://schemas.microsoft.com/office/drawing/2014/main" xmlns="" id="{A0EBD91C-0203-4879-A666-62B1C0F803B8}"/>
               </a:ext>
             </a:extLst>
           </p:cNvPr>
@@ -1176,7 +1176,7 @@
           <p:cNvPr id="6" name="슬라이드 번호 개체 틀 5">
             <a:extLst>
               <a:ext uri="{FF2B5EF4-FFF2-40B4-BE49-F238E27FC236}">
-                <a16:creationId xmlns="" xmlns:a16="http://schemas.microsoft.com/office/drawing/2014/main" id="{9EB3E498-A2A1-483D-8FD4-C4696FC7712C}"/>
+                <a16:creationId xmlns:a16="http://schemas.microsoft.com/office/drawing/2014/main" xmlns="" id="{9EB3E498-A2A1-483D-8FD4-C4696FC7712C}"/>
               </a:ext>
             </a:extLst>
           </p:cNvPr>
@@ -1235,7 +1235,7 @@
           <p:cNvPr id="2" name="제목 1">
             <a:extLst>
               <a:ext uri="{FF2B5EF4-FFF2-40B4-BE49-F238E27FC236}">
-                <a16:creationId xmlns="" xmlns:a16="http://schemas.microsoft.com/office/drawing/2014/main" id="{6B1E1476-701B-4239-8314-F85D481F2F48}"/>
+                <a16:creationId xmlns:a16="http://schemas.microsoft.com/office/drawing/2014/main" xmlns="" id="{6B1E1476-701B-4239-8314-F85D481F2F48}"/>
               </a:ext>
             </a:extLst>
           </p:cNvPr>
@@ -1263,7 +1263,7 @@
           <p:cNvPr id="3" name="내용 개체 틀 2">
             <a:extLst>
               <a:ext uri="{FF2B5EF4-FFF2-40B4-BE49-F238E27FC236}">
-                <a16:creationId xmlns="" xmlns:a16="http://schemas.microsoft.com/office/drawing/2014/main" id="{B074400D-9606-4BC1-82AC-9312A62DCCA3}"/>
+                <a16:creationId xmlns:a16="http://schemas.microsoft.com/office/drawing/2014/main" xmlns="" id="{B074400D-9606-4BC1-82AC-9312A62DCCA3}"/>
               </a:ext>
             </a:extLst>
           </p:cNvPr>
@@ -1325,7 +1325,7 @@
           <p:cNvPr id="4" name="내용 개체 틀 3">
             <a:extLst>
               <a:ext uri="{FF2B5EF4-FFF2-40B4-BE49-F238E27FC236}">
-                <a16:creationId xmlns="" xmlns:a16="http://schemas.microsoft.com/office/drawing/2014/main" id="{D2280C09-E2BD-49DE-959A-3FA14A4DB39B}"/>
+                <a16:creationId xmlns:a16="http://schemas.microsoft.com/office/drawing/2014/main" xmlns="" id="{D2280C09-E2BD-49DE-959A-3FA14A4DB39B}"/>
               </a:ext>
             </a:extLst>
           </p:cNvPr>
@@ -1387,7 +1387,7 @@
           <p:cNvPr id="5" name="날짜 개체 틀 4">
             <a:extLst>
               <a:ext uri="{FF2B5EF4-FFF2-40B4-BE49-F238E27FC236}">
-                <a16:creationId xmlns="" xmlns:a16="http://schemas.microsoft.com/office/drawing/2014/main" id="{E2A0322F-D0C5-4AD5-855E-65F1C46FAF66}"/>
+                <a16:creationId xmlns:a16="http://schemas.microsoft.com/office/drawing/2014/main" xmlns="" id="{E2A0322F-D0C5-4AD5-855E-65F1C46FAF66}"/>
               </a:ext>
             </a:extLst>
           </p:cNvPr>
@@ -1416,7 +1416,7 @@
           <p:cNvPr id="6" name="바닥글 개체 틀 5">
             <a:extLst>
               <a:ext uri="{FF2B5EF4-FFF2-40B4-BE49-F238E27FC236}">
-                <a16:creationId xmlns="" xmlns:a16="http://schemas.microsoft.com/office/drawing/2014/main" id="{4333CE0F-758F-4350-B0C3-2752F545DE39}"/>
+                <a16:creationId xmlns:a16="http://schemas.microsoft.com/office/drawing/2014/main" xmlns="" id="{4333CE0F-758F-4350-B0C3-2752F545DE39}"/>
               </a:ext>
             </a:extLst>
           </p:cNvPr>
@@ -1441,7 +1441,7 @@
           <p:cNvPr id="7" name="슬라이드 번호 개체 틀 6">
             <a:extLst>
               <a:ext uri="{FF2B5EF4-FFF2-40B4-BE49-F238E27FC236}">
-                <a16:creationId xmlns="" xmlns:a16="http://schemas.microsoft.com/office/drawing/2014/main" id="{1330197B-49F4-4331-B4CC-B046B6942BCA}"/>
+                <a16:creationId xmlns:a16="http://schemas.microsoft.com/office/drawing/2014/main" xmlns="" id="{1330197B-49F4-4331-B4CC-B046B6942BCA}"/>
               </a:ext>
             </a:extLst>
           </p:cNvPr>
@@ -1500,7 +1500,7 @@
           <p:cNvPr id="2" name="제목 1">
             <a:extLst>
               <a:ext uri="{FF2B5EF4-FFF2-40B4-BE49-F238E27FC236}">
-                <a16:creationId xmlns="" xmlns:a16="http://schemas.microsoft.com/office/drawing/2014/main" id="{BAA5EA05-E399-4BF1-B6A0-C370ED24506C}"/>
+                <a16:creationId xmlns:a16="http://schemas.microsoft.com/office/drawing/2014/main" xmlns="" id="{BAA5EA05-E399-4BF1-B6A0-C370ED24506C}"/>
               </a:ext>
             </a:extLst>
           </p:cNvPr>
@@ -1533,7 +1533,7 @@
           <p:cNvPr id="3" name="텍스트 개체 틀 2">
             <a:extLst>
               <a:ext uri="{FF2B5EF4-FFF2-40B4-BE49-F238E27FC236}">
-                <a16:creationId xmlns="" xmlns:a16="http://schemas.microsoft.com/office/drawing/2014/main" id="{EF32B97F-0E70-4206-A0F7-BDDD9B53D570}"/>
+                <a16:creationId xmlns:a16="http://schemas.microsoft.com/office/drawing/2014/main" xmlns="" id="{EF32B97F-0E70-4206-A0F7-BDDD9B53D570}"/>
               </a:ext>
             </a:extLst>
           </p:cNvPr>
@@ -1604,7 +1604,7 @@
           <p:cNvPr id="4" name="내용 개체 틀 3">
             <a:extLst>
               <a:ext uri="{FF2B5EF4-FFF2-40B4-BE49-F238E27FC236}">
-                <a16:creationId xmlns="" xmlns:a16="http://schemas.microsoft.com/office/drawing/2014/main" id="{C452530C-A287-42DB-BA1C-E0920CE99E8E}"/>
+                <a16:creationId xmlns:a16="http://schemas.microsoft.com/office/drawing/2014/main" xmlns="" id="{C452530C-A287-42DB-BA1C-E0920CE99E8E}"/>
               </a:ext>
             </a:extLst>
           </p:cNvPr>
@@ -1666,7 +1666,7 @@
           <p:cNvPr id="5" name="텍스트 개체 틀 4">
             <a:extLst>
               <a:ext uri="{FF2B5EF4-FFF2-40B4-BE49-F238E27FC236}">
-                <a16:creationId xmlns="" xmlns:a16="http://schemas.microsoft.com/office/drawing/2014/main" id="{960173B4-2288-4257-9661-42D8AB36187C}"/>
+                <a16:creationId xmlns:a16="http://schemas.microsoft.com/office/drawing/2014/main" xmlns="" id="{960173B4-2288-4257-9661-42D8AB36187C}"/>
               </a:ext>
             </a:extLst>
           </p:cNvPr>
@@ -1737,7 +1737,7 @@
           <p:cNvPr id="6" name="내용 개체 틀 5">
             <a:extLst>
               <a:ext uri="{FF2B5EF4-FFF2-40B4-BE49-F238E27FC236}">
-                <a16:creationId xmlns="" xmlns:a16="http://schemas.microsoft.com/office/drawing/2014/main" id="{9B6B807B-D886-4D69-A526-3F2674009497}"/>
+                <a16:creationId xmlns:a16="http://schemas.microsoft.com/office/drawing/2014/main" xmlns="" id="{9B6B807B-D886-4D69-A526-3F2674009497}"/>
               </a:ext>
             </a:extLst>
           </p:cNvPr>
@@ -1799,7 +1799,7 @@
           <p:cNvPr id="7" name="날짜 개체 틀 6">
             <a:extLst>
               <a:ext uri="{FF2B5EF4-FFF2-40B4-BE49-F238E27FC236}">
-                <a16:creationId xmlns="" xmlns:a16="http://schemas.microsoft.com/office/drawing/2014/main" id="{51AAF532-C9F0-43A5-9252-1A4D15EBB03E}"/>
+                <a16:creationId xmlns:a16="http://schemas.microsoft.com/office/drawing/2014/main" xmlns="" id="{51AAF532-C9F0-43A5-9252-1A4D15EBB03E}"/>
               </a:ext>
             </a:extLst>
           </p:cNvPr>
@@ -1828,7 +1828,7 @@
           <p:cNvPr id="8" name="바닥글 개체 틀 7">
             <a:extLst>
               <a:ext uri="{FF2B5EF4-FFF2-40B4-BE49-F238E27FC236}">
-                <a16:creationId xmlns="" xmlns:a16="http://schemas.microsoft.com/office/drawing/2014/main" id="{4B14C82C-6B8C-4892-AE66-7A42CF2FC787}"/>
+                <a16:creationId xmlns:a16="http://schemas.microsoft.com/office/drawing/2014/main" xmlns="" id="{4B14C82C-6B8C-4892-AE66-7A42CF2FC787}"/>
               </a:ext>
             </a:extLst>
           </p:cNvPr>
@@ -1853,7 +1853,7 @@
           <p:cNvPr id="9" name="슬라이드 번호 개체 틀 8">
             <a:extLst>
               <a:ext uri="{FF2B5EF4-FFF2-40B4-BE49-F238E27FC236}">
-                <a16:creationId xmlns="" xmlns:a16="http://schemas.microsoft.com/office/drawing/2014/main" id="{5151AE03-877C-44AA-A87A-552AAFDEBEC4}"/>
+                <a16:creationId xmlns:a16="http://schemas.microsoft.com/office/drawing/2014/main" xmlns="" id="{5151AE03-877C-44AA-A87A-552AAFDEBEC4}"/>
               </a:ext>
             </a:extLst>
           </p:cNvPr>
@@ -1912,7 +1912,7 @@
           <p:cNvPr id="2" name="제목 1">
             <a:extLst>
               <a:ext uri="{FF2B5EF4-FFF2-40B4-BE49-F238E27FC236}">
-                <a16:creationId xmlns="" xmlns:a16="http://schemas.microsoft.com/office/drawing/2014/main" id="{6226277B-1F94-46BA-8E20-CAEE023C431A}"/>
+                <a16:creationId xmlns:a16="http://schemas.microsoft.com/office/drawing/2014/main" xmlns="" id="{6226277B-1F94-46BA-8E20-CAEE023C431A}"/>
               </a:ext>
             </a:extLst>
           </p:cNvPr>
@@ -1940,7 +1940,7 @@
           <p:cNvPr id="3" name="날짜 개체 틀 2">
             <a:extLst>
               <a:ext uri="{FF2B5EF4-FFF2-40B4-BE49-F238E27FC236}">
-                <a16:creationId xmlns="" xmlns:a16="http://schemas.microsoft.com/office/drawing/2014/main" id="{7180AF50-5637-45EC-A901-1F6C7D6FAC1F}"/>
+                <a16:creationId xmlns:a16="http://schemas.microsoft.com/office/drawing/2014/main" xmlns="" id="{7180AF50-5637-45EC-A901-1F6C7D6FAC1F}"/>
               </a:ext>
             </a:extLst>
           </p:cNvPr>
@@ -1969,7 +1969,7 @@
           <p:cNvPr id="4" name="바닥글 개체 틀 3">
             <a:extLst>
               <a:ext uri="{FF2B5EF4-FFF2-40B4-BE49-F238E27FC236}">
-                <a16:creationId xmlns="" xmlns:a16="http://schemas.microsoft.com/office/drawing/2014/main" id="{631A5651-E0AA-4017-881E-4FDC57EBE4FA}"/>
+                <a16:creationId xmlns:a16="http://schemas.microsoft.com/office/drawing/2014/main" xmlns="" id="{631A5651-E0AA-4017-881E-4FDC57EBE4FA}"/>
               </a:ext>
             </a:extLst>
           </p:cNvPr>
@@ -1994,7 +1994,7 @@
           <p:cNvPr id="5" name="슬라이드 번호 개체 틀 4">
             <a:extLst>
               <a:ext uri="{FF2B5EF4-FFF2-40B4-BE49-F238E27FC236}">
-                <a16:creationId xmlns="" xmlns:a16="http://schemas.microsoft.com/office/drawing/2014/main" id="{6CF1A3E2-E860-4818-9DCC-130453AEC1D3}"/>
+                <a16:creationId xmlns:a16="http://schemas.microsoft.com/office/drawing/2014/main" xmlns="" id="{6CF1A3E2-E860-4818-9DCC-130453AEC1D3}"/>
               </a:ext>
             </a:extLst>
           </p:cNvPr>
@@ -2053,7 +2053,7 @@
           <p:cNvPr id="2" name="날짜 개체 틀 1">
             <a:extLst>
               <a:ext uri="{FF2B5EF4-FFF2-40B4-BE49-F238E27FC236}">
-                <a16:creationId xmlns="" xmlns:a16="http://schemas.microsoft.com/office/drawing/2014/main" id="{F76D7947-58EA-4646-991C-ED5EC9F630CC}"/>
+                <a16:creationId xmlns:a16="http://schemas.microsoft.com/office/drawing/2014/main" xmlns="" id="{F76D7947-58EA-4646-991C-ED5EC9F630CC}"/>
               </a:ext>
             </a:extLst>
           </p:cNvPr>
@@ -2082,7 +2082,7 @@
           <p:cNvPr id="3" name="바닥글 개체 틀 2">
             <a:extLst>
               <a:ext uri="{FF2B5EF4-FFF2-40B4-BE49-F238E27FC236}">
-                <a16:creationId xmlns="" xmlns:a16="http://schemas.microsoft.com/office/drawing/2014/main" id="{0A09DA7D-D7D4-46BC-ABC6-40C6E3055C5F}"/>
+                <a16:creationId xmlns:a16="http://schemas.microsoft.com/office/drawing/2014/main" xmlns="" id="{0A09DA7D-D7D4-46BC-ABC6-40C6E3055C5F}"/>
               </a:ext>
             </a:extLst>
           </p:cNvPr>
@@ -2107,7 +2107,7 @@
           <p:cNvPr id="4" name="슬라이드 번호 개체 틀 3">
             <a:extLst>
               <a:ext uri="{FF2B5EF4-FFF2-40B4-BE49-F238E27FC236}">
-                <a16:creationId xmlns="" xmlns:a16="http://schemas.microsoft.com/office/drawing/2014/main" id="{7811B9EC-FE88-4907-A453-C37E42F61A9E}"/>
+                <a16:creationId xmlns:a16="http://schemas.microsoft.com/office/drawing/2014/main" xmlns="" id="{7811B9EC-FE88-4907-A453-C37E42F61A9E}"/>
               </a:ext>
             </a:extLst>
           </p:cNvPr>
@@ -2166,7 +2166,7 @@
           <p:cNvPr id="2" name="제목 1">
             <a:extLst>
               <a:ext uri="{FF2B5EF4-FFF2-40B4-BE49-F238E27FC236}">
-                <a16:creationId xmlns="" xmlns:a16="http://schemas.microsoft.com/office/drawing/2014/main" id="{29EB5068-C6BB-4013-AED2-8397BC90405C}"/>
+                <a16:creationId xmlns:a16="http://schemas.microsoft.com/office/drawing/2014/main" xmlns="" id="{29EB5068-C6BB-4013-AED2-8397BC90405C}"/>
               </a:ext>
             </a:extLst>
           </p:cNvPr>
@@ -2203,7 +2203,7 @@
           <p:cNvPr id="3" name="내용 개체 틀 2">
             <a:extLst>
               <a:ext uri="{FF2B5EF4-FFF2-40B4-BE49-F238E27FC236}">
-                <a16:creationId xmlns="" xmlns:a16="http://schemas.microsoft.com/office/drawing/2014/main" id="{5F21880D-B3C2-42E2-BD26-9857AC87CE8B}"/>
+                <a16:creationId xmlns:a16="http://schemas.microsoft.com/office/drawing/2014/main" xmlns="" id="{5F21880D-B3C2-42E2-BD26-9857AC87CE8B}"/>
               </a:ext>
             </a:extLst>
           </p:cNvPr>
@@ -2293,7 +2293,7 @@
           <p:cNvPr id="4" name="텍스트 개체 틀 3">
             <a:extLst>
               <a:ext uri="{FF2B5EF4-FFF2-40B4-BE49-F238E27FC236}">
-                <a16:creationId xmlns="" xmlns:a16="http://schemas.microsoft.com/office/drawing/2014/main" id="{6642546A-6FB7-433D-8679-75EE9BBE2790}"/>
+                <a16:creationId xmlns:a16="http://schemas.microsoft.com/office/drawing/2014/main" xmlns="" id="{6642546A-6FB7-433D-8679-75EE9BBE2790}"/>
               </a:ext>
             </a:extLst>
           </p:cNvPr>
@@ -2364,7 +2364,7 @@
           <p:cNvPr id="5" name="날짜 개체 틀 4">
             <a:extLst>
               <a:ext uri="{FF2B5EF4-FFF2-40B4-BE49-F238E27FC236}">
-                <a16:creationId xmlns="" xmlns:a16="http://schemas.microsoft.com/office/drawing/2014/main" id="{4A96EB02-F906-4192-A10E-8B6DEE8E94D9}"/>
+                <a16:creationId xmlns:a16="http://schemas.microsoft.com/office/drawing/2014/main" xmlns="" id="{4A96EB02-F906-4192-A10E-8B6DEE8E94D9}"/>
               </a:ext>
             </a:extLst>
           </p:cNvPr>
@@ -2393,7 +2393,7 @@
           <p:cNvPr id="6" name="바닥글 개체 틀 5">
             <a:extLst>
               <a:ext uri="{FF2B5EF4-FFF2-40B4-BE49-F238E27FC236}">
-                <a16:creationId xmlns="" xmlns:a16="http://schemas.microsoft.com/office/drawing/2014/main" id="{285F9A33-065E-4CCD-9EB2-F03EDE5DB08D}"/>
+                <a16:creationId xmlns:a16="http://schemas.microsoft.com/office/drawing/2014/main" xmlns="" id="{285F9A33-065E-4CCD-9EB2-F03EDE5DB08D}"/>
               </a:ext>
             </a:extLst>
           </p:cNvPr>
@@ -2418,7 +2418,7 @@
           <p:cNvPr id="7" name="슬라이드 번호 개체 틀 6">
             <a:extLst>
               <a:ext uri="{FF2B5EF4-FFF2-40B4-BE49-F238E27FC236}">
-                <a16:creationId xmlns="" xmlns:a16="http://schemas.microsoft.com/office/drawing/2014/main" id="{44B93FEA-7B02-4218-9244-7C4D2B52A171}"/>
+                <a16:creationId xmlns:a16="http://schemas.microsoft.com/office/drawing/2014/main" xmlns="" id="{44B93FEA-7B02-4218-9244-7C4D2B52A171}"/>
               </a:ext>
             </a:extLst>
           </p:cNvPr>
@@ -2477,7 +2477,7 @@
           <p:cNvPr id="2" name="제목 1">
             <a:extLst>
               <a:ext uri="{FF2B5EF4-FFF2-40B4-BE49-F238E27FC236}">
-                <a16:creationId xmlns="" xmlns:a16="http://schemas.microsoft.com/office/drawing/2014/main" id="{74B63802-3142-4C09-ADB3-AB4AE9A8A3C9}"/>
+                <a16:creationId xmlns:a16="http://schemas.microsoft.com/office/drawing/2014/main" xmlns="" id="{74B63802-3142-4C09-ADB3-AB4AE9A8A3C9}"/>
               </a:ext>
             </a:extLst>
           </p:cNvPr>
@@ -2514,7 +2514,7 @@
           <p:cNvPr id="3" name="그림 개체 틀 2">
             <a:extLst>
               <a:ext uri="{FF2B5EF4-FFF2-40B4-BE49-F238E27FC236}">
-                <a16:creationId xmlns="" xmlns:a16="http://schemas.microsoft.com/office/drawing/2014/main" id="{0C617338-A97A-49F5-AB03-8E10FA57349F}"/>
+                <a16:creationId xmlns:a16="http://schemas.microsoft.com/office/drawing/2014/main" xmlns="" id="{0C617338-A97A-49F5-AB03-8E10FA57349F}"/>
               </a:ext>
             </a:extLst>
           </p:cNvPr>
@@ -2581,7 +2581,7 @@
           <p:cNvPr id="4" name="텍스트 개체 틀 3">
             <a:extLst>
               <a:ext uri="{FF2B5EF4-FFF2-40B4-BE49-F238E27FC236}">
-                <a16:creationId xmlns="" xmlns:a16="http://schemas.microsoft.com/office/drawing/2014/main" id="{F03BA006-43DA-4870-A36F-ED9B4132AF4A}"/>
+                <a16:creationId xmlns:a16="http://schemas.microsoft.com/office/drawing/2014/main" xmlns="" id="{F03BA006-43DA-4870-A36F-ED9B4132AF4A}"/>
               </a:ext>
             </a:extLst>
           </p:cNvPr>
@@ -2652,7 +2652,7 @@
           <p:cNvPr id="5" name="날짜 개체 틀 4">
             <a:extLst>
               <a:ext uri="{FF2B5EF4-FFF2-40B4-BE49-F238E27FC236}">
-                <a16:creationId xmlns="" xmlns:a16="http://schemas.microsoft.com/office/drawing/2014/main" id="{BA67BF82-4BE9-423A-902F-9ED6304ABD41}"/>
+                <a16:creationId xmlns:a16="http://schemas.microsoft.com/office/drawing/2014/main" xmlns="" id="{BA67BF82-4BE9-423A-902F-9ED6304ABD41}"/>
               </a:ext>
             </a:extLst>
           </p:cNvPr>
@@ -2681,7 +2681,7 @@
           <p:cNvPr id="6" name="바닥글 개체 틀 5">
             <a:extLst>
               <a:ext uri="{FF2B5EF4-FFF2-40B4-BE49-F238E27FC236}">
-                <a16:creationId xmlns="" xmlns:a16="http://schemas.microsoft.com/office/drawing/2014/main" id="{4C6A188A-B89F-41F7-BCA0-8A32F7101A7D}"/>
+                <a16:creationId xmlns:a16="http://schemas.microsoft.com/office/drawing/2014/main" xmlns="" id="{4C6A188A-B89F-41F7-BCA0-8A32F7101A7D}"/>
               </a:ext>
             </a:extLst>
           </p:cNvPr>
@@ -2706,7 +2706,7 @@
           <p:cNvPr id="7" name="슬라이드 번호 개체 틀 6">
             <a:extLst>
               <a:ext uri="{FF2B5EF4-FFF2-40B4-BE49-F238E27FC236}">
-                <a16:creationId xmlns="" xmlns:a16="http://schemas.microsoft.com/office/drawing/2014/main" id="{77993406-8AFC-4EB3-9E27-D17902E41F3A}"/>
+                <a16:creationId xmlns:a16="http://schemas.microsoft.com/office/drawing/2014/main" xmlns="" id="{77993406-8AFC-4EB3-9E27-D17902E41F3A}"/>
               </a:ext>
             </a:extLst>
           </p:cNvPr>
@@ -2770,7 +2770,7 @@
           <p:cNvPr id="2" name="제목 개체 틀 1">
             <a:extLst>
               <a:ext uri="{FF2B5EF4-FFF2-40B4-BE49-F238E27FC236}">
-                <a16:creationId xmlns="" xmlns:a16="http://schemas.microsoft.com/office/drawing/2014/main" id="{3F5FFA22-772B-4390-B9E2-3BA8D85C6838}"/>
+                <a16:creationId xmlns:a16="http://schemas.microsoft.com/office/drawing/2014/main" xmlns="" id="{3F5FFA22-772B-4390-B9E2-3BA8D85C6838}"/>
               </a:ext>
             </a:extLst>
           </p:cNvPr>
@@ -2808,7 +2808,7 @@
           <p:cNvPr id="3" name="텍스트 개체 틀 2">
             <a:extLst>
               <a:ext uri="{FF2B5EF4-FFF2-40B4-BE49-F238E27FC236}">
-                <a16:creationId xmlns="" xmlns:a16="http://schemas.microsoft.com/office/drawing/2014/main" id="{1EC98CBB-2FC3-4068-8310-0BA508931F67}"/>
+                <a16:creationId xmlns:a16="http://schemas.microsoft.com/office/drawing/2014/main" xmlns="" id="{1EC98CBB-2FC3-4068-8310-0BA508931F67}"/>
               </a:ext>
             </a:extLst>
           </p:cNvPr>
@@ -2875,7 +2875,7 @@
           <p:cNvPr id="4" name="날짜 개체 틀 3">
             <a:extLst>
               <a:ext uri="{FF2B5EF4-FFF2-40B4-BE49-F238E27FC236}">
-                <a16:creationId xmlns="" xmlns:a16="http://schemas.microsoft.com/office/drawing/2014/main" id="{1903A797-6E42-4E25-BC83-1FADC0E55EE2}"/>
+                <a16:creationId xmlns:a16="http://schemas.microsoft.com/office/drawing/2014/main" xmlns="" id="{1903A797-6E42-4E25-BC83-1FADC0E55EE2}"/>
               </a:ext>
             </a:extLst>
           </p:cNvPr>
@@ -2922,7 +2922,7 @@
           <p:cNvPr id="5" name="바닥글 개체 틀 4">
             <a:extLst>
               <a:ext uri="{FF2B5EF4-FFF2-40B4-BE49-F238E27FC236}">
-                <a16:creationId xmlns="" xmlns:a16="http://schemas.microsoft.com/office/drawing/2014/main" id="{6D44985F-B7AC-4350-9FA5-9CE06C2CB19D}"/>
+                <a16:creationId xmlns:a16="http://schemas.microsoft.com/office/drawing/2014/main" xmlns="" id="{6D44985F-B7AC-4350-9FA5-9CE06C2CB19D}"/>
               </a:ext>
             </a:extLst>
           </p:cNvPr>
@@ -2965,7 +2965,7 @@
           <p:cNvPr id="6" name="슬라이드 번호 개체 틀 5">
             <a:extLst>
               <a:ext uri="{FF2B5EF4-FFF2-40B4-BE49-F238E27FC236}">
-                <a16:creationId xmlns="" xmlns:a16="http://schemas.microsoft.com/office/drawing/2014/main" id="{5D94944D-231A-4164-9D7D-2A58346C59B3}"/>
+                <a16:creationId xmlns:a16="http://schemas.microsoft.com/office/drawing/2014/main" xmlns="" id="{5D94944D-231A-4164-9D7D-2A58346C59B3}"/>
               </a:ext>
             </a:extLst>
           </p:cNvPr>
@@ -3341,7 +3341,7 @@
           <p:cNvPr id="2" name="제목 1">
             <a:extLst>
               <a:ext uri="{FF2B5EF4-FFF2-40B4-BE49-F238E27FC236}">
-                <a16:creationId xmlns="" xmlns:a16="http://schemas.microsoft.com/office/drawing/2014/main" id="{9D0D6DAD-010C-4B48-B2C8-A05307AE725D}"/>
+                <a16:creationId xmlns:a16="http://schemas.microsoft.com/office/drawing/2014/main" xmlns="" id="{9D0D6DAD-010C-4B48-B2C8-A05307AE725D}"/>
               </a:ext>
             </a:extLst>
           </p:cNvPr>
@@ -3429,7 +3429,7 @@
           <p:cNvPr id="3" name="부제목 2">
             <a:extLst>
               <a:ext uri="{FF2B5EF4-FFF2-40B4-BE49-F238E27FC236}">
-                <a16:creationId xmlns="" xmlns:a16="http://schemas.microsoft.com/office/drawing/2014/main" id="{440AE397-4916-4CFE-9463-2B4F1186D334}"/>
+                <a16:creationId xmlns:a16="http://schemas.microsoft.com/office/drawing/2014/main" xmlns="" id="{440AE397-4916-4CFE-9463-2B4F1186D334}"/>
               </a:ext>
             </a:extLst>
           </p:cNvPr>
@@ -3595,7 +3595,7 @@
           <p:cNvPr id="5" name="Picture 4">
             <a:extLst>
               <a:ext uri="{FF2B5EF4-FFF2-40B4-BE49-F238E27FC236}">
-                <a16:creationId xmlns="" xmlns:a16="http://schemas.microsoft.com/office/drawing/2014/main" id="{4A8BDF83-BAC0-48B1-8675-FC7376E27BCC}"/>
+                <a16:creationId xmlns:a16="http://schemas.microsoft.com/office/drawing/2014/main" xmlns="" id="{4A8BDF83-BAC0-48B1-8675-FC7376E27BCC}"/>
               </a:ext>
             </a:extLst>
           </p:cNvPr>
@@ -3642,7 +3642,7 @@
           <p:cNvPr id="7" name="Picture 2">
             <a:extLst>
               <a:ext uri="{FF2B5EF4-FFF2-40B4-BE49-F238E27FC236}">
-                <a16:creationId xmlns="" xmlns:a16="http://schemas.microsoft.com/office/drawing/2014/main" id="{777BC8B2-00BC-4EB0-9D05-54A41B77B1F5}"/>
+                <a16:creationId xmlns:a16="http://schemas.microsoft.com/office/drawing/2014/main" xmlns="" id="{777BC8B2-00BC-4EB0-9D05-54A41B77B1F5}"/>
               </a:ext>
             </a:extLst>
           </p:cNvPr>
@@ -3689,7 +3689,7 @@
           <p:cNvPr id="9" name="Picture 4" descr="비공식 자바스크립트 로고 2">
             <a:extLst>
               <a:ext uri="{FF2B5EF4-FFF2-40B4-BE49-F238E27FC236}">
-                <a16:creationId xmlns="" xmlns:a16="http://schemas.microsoft.com/office/drawing/2014/main" id="{80CEA20C-A6CC-4F11-99DF-C823A24600A9}"/>
+                <a16:creationId xmlns:a16="http://schemas.microsoft.com/office/drawing/2014/main" xmlns="" id="{80CEA20C-A6CC-4F11-99DF-C823A24600A9}"/>
               </a:ext>
             </a:extLst>
           </p:cNvPr>
@@ -3736,7 +3736,7 @@
           <p:cNvPr id="11" name="그림 10">
             <a:extLst>
               <a:ext uri="{FF2B5EF4-FFF2-40B4-BE49-F238E27FC236}">
-                <a16:creationId xmlns="" xmlns:a16="http://schemas.microsoft.com/office/drawing/2014/main" id="{3C77096E-704A-4A2D-846E-C8F8D2D7D2A4}"/>
+                <a16:creationId xmlns:a16="http://schemas.microsoft.com/office/drawing/2014/main" xmlns="" id="{3C77096E-704A-4A2D-846E-C8F8D2D7D2A4}"/>
               </a:ext>
             </a:extLst>
           </p:cNvPr>
@@ -3804,7 +3804,7 @@
           <p:cNvPr id="8" name="TextBox 7">
             <a:extLst>
               <a:ext uri="{FF2B5EF4-FFF2-40B4-BE49-F238E27FC236}">
-                <a16:creationId xmlns="" xmlns:a16="http://schemas.microsoft.com/office/drawing/2014/main" id="{351F780C-4680-4C7D-868D-1B6A9DA00B13}"/>
+                <a16:creationId xmlns:a16="http://schemas.microsoft.com/office/drawing/2014/main" xmlns="" id="{351F780C-4680-4C7D-868D-1B6A9DA00B13}"/>
               </a:ext>
             </a:extLst>
           </p:cNvPr>
@@ -3891,7 +3891,7 @@
           <p:cNvPr id="10" name="TextBox 9">
             <a:extLst>
               <a:ext uri="{FF2B5EF4-FFF2-40B4-BE49-F238E27FC236}">
-                <a16:creationId xmlns="" xmlns:a16="http://schemas.microsoft.com/office/drawing/2014/main" id="{2C8970D1-2123-4299-92C0-214B44943EE8}"/>
+                <a16:creationId xmlns:a16="http://schemas.microsoft.com/office/drawing/2014/main" xmlns="" id="{2C8970D1-2123-4299-92C0-214B44943EE8}"/>
               </a:ext>
             </a:extLst>
           </p:cNvPr>
@@ -4514,7 +4514,7 @@
           <p:cNvPr id="11" name="직사각형 10">
             <a:extLst>
               <a:ext uri="{FF2B5EF4-FFF2-40B4-BE49-F238E27FC236}">
-                <a16:creationId xmlns="" xmlns:a16="http://schemas.microsoft.com/office/drawing/2014/main" id="{FEDE409B-423E-4516-ADC9-5A3391D98417}"/>
+                <a16:creationId xmlns:a16="http://schemas.microsoft.com/office/drawing/2014/main" xmlns="" id="{FEDE409B-423E-4516-ADC9-5A3391D98417}"/>
               </a:ext>
             </a:extLst>
           </p:cNvPr>
@@ -4570,7 +4570,7 @@
           <p:cNvPr id="2" name="TextBox 1">
             <a:extLst>
               <a:ext uri="{FF2B5EF4-FFF2-40B4-BE49-F238E27FC236}">
-                <a16:creationId xmlns="" xmlns:a16="http://schemas.microsoft.com/office/drawing/2014/main" id="{565C7E9F-8E6B-44C1-BE58-13CA3A1E003B}"/>
+                <a16:creationId xmlns:a16="http://schemas.microsoft.com/office/drawing/2014/main" xmlns="" id="{565C7E9F-8E6B-44C1-BE58-13CA3A1E003B}"/>
               </a:ext>
             </a:extLst>
           </p:cNvPr>
@@ -4817,7 +4817,7 @@
           <p:cNvPr id="8" name="TextBox 7">
             <a:extLst>
               <a:ext uri="{FF2B5EF4-FFF2-40B4-BE49-F238E27FC236}">
-                <a16:creationId xmlns="" xmlns:a16="http://schemas.microsoft.com/office/drawing/2014/main" id="{351F780C-4680-4C7D-868D-1B6A9DA00B13}"/>
+                <a16:creationId xmlns:a16="http://schemas.microsoft.com/office/drawing/2014/main" xmlns="" id="{351F780C-4680-4C7D-868D-1B6A9DA00B13}"/>
               </a:ext>
             </a:extLst>
           </p:cNvPr>
@@ -4874,7 +4874,7 @@
           <p:cNvPr id="10" name="TextBox 9">
             <a:extLst>
               <a:ext uri="{FF2B5EF4-FFF2-40B4-BE49-F238E27FC236}">
-                <a16:creationId xmlns="" xmlns:a16="http://schemas.microsoft.com/office/drawing/2014/main" id="{2C8970D1-2123-4299-92C0-214B44943EE8}"/>
+                <a16:creationId xmlns:a16="http://schemas.microsoft.com/office/drawing/2014/main" xmlns="" id="{2C8970D1-2123-4299-92C0-214B44943EE8}"/>
               </a:ext>
             </a:extLst>
           </p:cNvPr>
@@ -4986,6 +4986,18 @@
               <a:t>  </a:t>
             </a:r>
             <a:r>
+              <a:rPr lang="ko-KR" altLang="en-US" sz="1600" dirty="0" smtClean="0">
+                <a:solidFill>
+                  <a:schemeClr val="tx1">
+                    <a:lumMod val="85000"/>
+                    <a:lumOff val="15000"/>
+                  </a:schemeClr>
+                </a:solidFill>
+                <a:latin typeface="+mn-ea"/>
+              </a:rPr>
+              <a:t>물건 </a:t>
+            </a:r>
+            <a:r>
               <a:rPr lang="ko-KR" altLang="en-US" sz="1600" smtClean="0">
                 <a:solidFill>
                   <a:schemeClr val="tx1">
@@ -4995,19 +5007,7 @@
                 </a:solidFill>
                 <a:latin typeface="+mn-ea"/>
               </a:rPr>
-              <a:t>물건 </a:t>
-            </a:r>
-            <a:r>
-              <a:rPr lang="ko-KR" altLang="en-US" sz="1600" smtClean="0">
-                <a:solidFill>
-                  <a:schemeClr val="tx1">
-                    <a:lumMod val="85000"/>
-                    <a:lumOff val="15000"/>
-                  </a:schemeClr>
-                </a:solidFill>
-                <a:latin typeface="+mn-ea"/>
-              </a:rPr>
-              <a:t>판별 기</a:t>
+              <a:t>판별기</a:t>
             </a:r>
             <a:r>
               <a:rPr lang="en-US" altLang="ko-KR" sz="1600" dirty="0">
@@ -5254,7 +5254,7 @@
           <p:cNvPr id="17" name="TextBox 16">
             <a:extLst>
               <a:ext uri="{FF2B5EF4-FFF2-40B4-BE49-F238E27FC236}">
-                <a16:creationId xmlns="" xmlns:a16="http://schemas.microsoft.com/office/drawing/2014/main" id="{94F157CB-72CA-4A34-ACFB-7E8E970A4694}"/>
+                <a16:creationId xmlns:a16="http://schemas.microsoft.com/office/drawing/2014/main" xmlns="" id="{94F157CB-72CA-4A34-ACFB-7E8E970A4694}"/>
               </a:ext>
             </a:extLst>
           </p:cNvPr>
@@ -5337,7 +5337,7 @@
           <p:cNvPr id="19" name="TextBox 18">
             <a:extLst>
               <a:ext uri="{FF2B5EF4-FFF2-40B4-BE49-F238E27FC236}">
-                <a16:creationId xmlns="" xmlns:a16="http://schemas.microsoft.com/office/drawing/2014/main" id="{FD14AB26-3BEA-479A-BAB4-816E4E65DE8F}"/>
+                <a16:creationId xmlns:a16="http://schemas.microsoft.com/office/drawing/2014/main" xmlns="" id="{FD14AB26-3BEA-479A-BAB4-816E4E65DE8F}"/>
               </a:ext>
             </a:extLst>
           </p:cNvPr>
@@ -5401,7 +5401,7 @@
           <p:cNvPr id="21" name="TextBox 20">
             <a:extLst>
               <a:ext uri="{FF2B5EF4-FFF2-40B4-BE49-F238E27FC236}">
-                <a16:creationId xmlns="" xmlns:a16="http://schemas.microsoft.com/office/drawing/2014/main" id="{F269DC2A-6D73-4A1B-B65D-43407683EC46}"/>
+                <a16:creationId xmlns:a16="http://schemas.microsoft.com/office/drawing/2014/main" xmlns="" id="{F269DC2A-6D73-4A1B-B65D-43407683EC46}"/>
               </a:ext>
             </a:extLst>
           </p:cNvPr>
@@ -5780,7 +5780,7 @@
   <a:extraClrSchemeLst/>
   <a:extLst>
     <a:ext uri="{05A4C25C-085E-4340-85A3-A5531E510DB2}">
-      <thm15:themeFamily xmlns="" xmlns:thm15="http://schemas.microsoft.com/office/thememl/2012/main" name="Office Theme" id="{62F939B6-93AF-4DB8-9C6B-D6C7DFDC589F}" vid="{4A3C46E8-61CC-4603-A589-7422A47A8E4A}"/>
+      <thm15:themeFamily xmlns:thm15="http://schemas.microsoft.com/office/thememl/2012/main" xmlns="" name="Office Theme" id="{62F939B6-93AF-4DB8-9C6B-D6C7DFDC589F}" vid="{4A3C46E8-61CC-4603-A589-7422A47A8E4A}"/>
     </a:ext>
   </a:extLst>
 </a:theme>
